--- a/宣道詩/(宣道詩84)時刻蒙恩.pptx
+++ b/宣道詩/(宣道詩84)時刻蒙恩.pptx
@@ -5,20 +5,29 @@
     <p:sldMasterId id="2147483660" r:id="rId1"/>
   </p:sldMasterIdLst>
   <p:notesMasterIdLst>
-    <p:notesMasterId r:id="rId10"/>
+    <p:notesMasterId r:id="rId19"/>
   </p:notesMasterIdLst>
   <p:handoutMasterIdLst>
-    <p:handoutMasterId r:id="rId11"/>
+    <p:handoutMasterId r:id="rId20"/>
   </p:handoutMasterIdLst>
   <p:sldIdLst>
-    <p:sldId id="1612" r:id="rId2"/>
-    <p:sldId id="1613" r:id="rId3"/>
-    <p:sldId id="1614" r:id="rId4"/>
-    <p:sldId id="1615" r:id="rId5"/>
-    <p:sldId id="1616" r:id="rId6"/>
-    <p:sldId id="1617" r:id="rId7"/>
-    <p:sldId id="1618" r:id="rId8"/>
-    <p:sldId id="1619" r:id="rId9"/>
+    <p:sldId id="1620" r:id="rId2"/>
+    <p:sldId id="1621" r:id="rId3"/>
+    <p:sldId id="1622" r:id="rId4"/>
+    <p:sldId id="1623" r:id="rId5"/>
+    <p:sldId id="1624" r:id="rId6"/>
+    <p:sldId id="1625" r:id="rId7"/>
+    <p:sldId id="1626" r:id="rId8"/>
+    <p:sldId id="1627" r:id="rId9"/>
+    <p:sldId id="1628" r:id="rId10"/>
+    <p:sldId id="1629" r:id="rId11"/>
+    <p:sldId id="1630" r:id="rId12"/>
+    <p:sldId id="1631" r:id="rId13"/>
+    <p:sldId id="1632" r:id="rId14"/>
+    <p:sldId id="1633" r:id="rId15"/>
+    <p:sldId id="1634" r:id="rId16"/>
+    <p:sldId id="1635" r:id="rId17"/>
+    <p:sldId id="1636" r:id="rId18"/>
   </p:sldIdLst>
   <p:sldSz cx="12192000" cy="6858000"/>
   <p:notesSz cx="6858000" cy="9144000"/>
@@ -3724,7 +3733,7 @@
       </p:grpSpPr>
       <p:sp>
         <p:nvSpPr>
-          <p:cNvPr id="4" name="Title 3"/>
+          <p:cNvPr id="4" name="標題 3"/>
           <p:cNvSpPr>
             <a:spLocks noGrp="1"/>
           </p:cNvSpPr>
@@ -3732,222 +3741,355 @@
             <p:ph type="title"/>
           </p:nvPr>
         </p:nvSpPr>
-        <p:spPr/>
+        <p:spPr>
+          <a:xfrm>
+            <a:off x="0" y="2857513"/>
+            <a:ext cx="12192000" cy="1143000"/>
+          </a:xfrm>
+        </p:spPr>
         <p:txBody>
           <a:bodyPr>
+            <a:noAutofit/>
+          </a:bodyPr>
+          <a:lstStyle/>
+          <a:p>
+            <a:r>
+              <a:rPr lang="zh-CN" altLang="en-US" sz="5333" b="1" u="sng" dirty="0">
+                <a:solidFill>
+                  <a:srgbClr val="000066"/>
+                </a:solidFill>
+                <a:effectLst>
+                  <a:outerShdw blurRad="38100" dist="38100" dir="2700000" algn="tl">
+                    <a:srgbClr val="000000">
+                      <a:alpha val="43137"/>
+                    </a:srgbClr>
+                  </a:outerShdw>
+                </a:effectLst>
+                <a:latin typeface="微軟正黑體" pitchFamily="34" charset="-120"/>
+                <a:ea typeface="微軟正黑體" pitchFamily="34" charset="-120"/>
+              </a:rPr>
+              <a:t>宣道詩 </a:t>
+            </a:r>
+            <a:r>
+              <a:rPr lang="en-US" altLang="zh-CN" sz="5333" b="1" u="sng" dirty="0">
+                <a:solidFill>
+                  <a:srgbClr val="000066"/>
+                </a:solidFill>
+                <a:effectLst>
+                  <a:outerShdw blurRad="38100" dist="38100" dir="2700000" algn="tl">
+                    <a:srgbClr val="000000">
+                      <a:alpha val="43137"/>
+                    </a:srgbClr>
+                  </a:outerShdw>
+                </a:effectLst>
+                <a:latin typeface="微軟正黑體" pitchFamily="34" charset="-120"/>
+                <a:ea typeface="微軟正黑體" pitchFamily="34" charset="-120"/>
+              </a:rPr>
+              <a:t>84</a:t>
+            </a:r>
+            <a:r>
+              <a:rPr lang="en-US" altLang="zh-CN" sz="7200" b="1" i="1" dirty="0">
+                <a:solidFill>
+                  <a:srgbClr val="660033"/>
+                </a:solidFill>
+                <a:effectLst>
+                  <a:outerShdw blurRad="38100" dist="38100" dir="2700000" algn="tl">
+                    <a:srgbClr val="000000">
+                      <a:alpha val="43137"/>
+                    </a:srgbClr>
+                  </a:outerShdw>
+                </a:effectLst>
+                <a:latin typeface="微軟正黑體" pitchFamily="34" charset="-120"/>
+                <a:ea typeface="微軟正黑體" pitchFamily="34" charset="-120"/>
+              </a:rPr>
+              <a:t/>
+            </a:r>
+            <a:br>
+              <a:rPr lang="en-US" altLang="zh-CN" sz="7200" b="1" i="1" dirty="0">
+                <a:solidFill>
+                  <a:srgbClr val="660033"/>
+                </a:solidFill>
+                <a:effectLst>
+                  <a:outerShdw blurRad="38100" dist="38100" dir="2700000" algn="tl">
+                    <a:srgbClr val="000000">
+                      <a:alpha val="43137"/>
+                    </a:srgbClr>
+                  </a:outerShdw>
+                </a:effectLst>
+                <a:latin typeface="微軟正黑體" pitchFamily="34" charset="-120"/>
+                <a:ea typeface="微軟正黑體" pitchFamily="34" charset="-120"/>
+              </a:rPr>
+            </a:br>
+            <a:r>
+              <a:rPr lang="zh-CN" altLang="en-US" sz="8000" b="1" dirty="0">
+                <a:solidFill>
+                  <a:srgbClr val="660033"/>
+                </a:solidFill>
+                <a:effectLst>
+                  <a:outerShdw blurRad="38100" dist="38100" dir="2700000" algn="tl">
+                    <a:srgbClr val="000000">
+                      <a:alpha val="43137"/>
+                    </a:srgbClr>
+                  </a:outerShdw>
+                </a:effectLst>
+                <a:latin typeface="微軟正黑體" pitchFamily="34" charset="-120"/>
+                <a:ea typeface="微軟正黑體" pitchFamily="34" charset="-120"/>
+              </a:rPr>
+              <a:t>時</a:t>
+            </a:r>
+            <a:r>
+              <a:rPr lang="zh-CN" altLang="en-US" sz="8000" b="1" dirty="0">
+                <a:solidFill>
+                  <a:srgbClr val="660033"/>
+                </a:solidFill>
+                <a:effectLst>
+                  <a:outerShdw blurRad="38100" dist="38100" dir="2700000" algn="tl">
+                    <a:srgbClr val="000000">
+                      <a:alpha val="43137"/>
+                    </a:srgbClr>
+                  </a:outerShdw>
+                </a:effectLst>
+                <a:latin typeface="微軟正黑體" pitchFamily="34" charset="-120"/>
+                <a:ea typeface="微軟正黑體" pitchFamily="34" charset="-120"/>
+              </a:rPr>
+              <a:t>刻蒙恩</a:t>
+            </a:r>
+            <a:endParaRPr lang="zh-TW" altLang="en-US" sz="8000" b="1" dirty="0">
+              <a:solidFill>
+                <a:srgbClr val="660033"/>
+              </a:solidFill>
+              <a:effectLst>
+                <a:outerShdw blurRad="38100" dist="38100" dir="2700000" algn="tl">
+                  <a:srgbClr val="000000">
+                    <a:alpha val="43137"/>
+                  </a:srgbClr>
+                </a:outerShdw>
+              </a:effectLst>
+              <a:latin typeface="微軟正黑體" pitchFamily="34" charset="-120"/>
+              <a:ea typeface="微軟正黑體" pitchFamily="34" charset="-120"/>
+            </a:endParaRPr>
+          </a:p>
+        </p:txBody>
+      </p:sp>
+    </p:spTree>
+    <p:extLst>
+      <p:ext uri="{BB962C8B-B14F-4D97-AF65-F5344CB8AC3E}">
+        <p14:creationId xmlns:p14="http://schemas.microsoft.com/office/powerpoint/2010/main" val="606513718"/>
+      </p:ext>
+    </p:extLst>
+  </p:cSld>
+  <p:clrMapOvr>
+    <a:masterClrMapping/>
+  </p:clrMapOvr>
+  <p:timing>
+    <p:tnLst>
+      <p:par>
+        <p:cTn id="1" dur="indefinite" restart="never" nodeType="tmRoot"/>
+      </p:par>
+    </p:tnLst>
+  </p:timing>
+</p:sld>
+</file>
+
+<file path=ppt/slides/slide10.xml><?xml version="1.0" encoding="utf-8"?>
+<p:sld xmlns:a="http://schemas.openxmlformats.org/drawingml/2006/main" xmlns:r="http://schemas.openxmlformats.org/officeDocument/2006/relationships" xmlns:p="http://schemas.openxmlformats.org/presentationml/2006/main">
+  <p:cSld>
+    <p:spTree>
+      <p:nvGrpSpPr>
+        <p:cNvPr id="1" name=""/>
+        <p:cNvGrpSpPr/>
+        <p:nvPr/>
+      </p:nvGrpSpPr>
+      <p:grpSpPr>
+        <a:xfrm>
+          <a:off x="0" y="0"/>
+          <a:ext cx="0" cy="0"/>
+          <a:chOff x="0" y="0"/>
+          <a:chExt cx="0" cy="0"/>
+        </a:xfrm>
+      </p:grpSpPr>
+      <p:sp>
+        <p:nvSpPr>
+          <p:cNvPr id="5" name="內容版面配置區 4"/>
+          <p:cNvSpPr>
+            <a:spLocks noGrp="1"/>
+          </p:cNvSpPr>
+          <p:nvPr>
+            <p:ph idx="1"/>
+          </p:nvPr>
+        </p:nvSpPr>
+        <p:spPr>
+          <a:xfrm>
+            <a:off x="0" y="2084851"/>
+            <a:ext cx="12192000" cy="2404863"/>
+          </a:xfrm>
+        </p:spPr>
+        <p:txBody>
+          <a:bodyPr anchor="ctr">
             <a:normAutofit/>
           </a:bodyPr>
           <a:lstStyle/>
           <a:p>
-            <a:r>
-              <a:rPr lang="en-US" altLang="zh-CN" sz="4800" b="1" dirty="0">
-                <a:solidFill>
-                  <a:srgbClr val="002060"/>
+            <a:pPr marL="0" indent="0" algn="ctr">
+              <a:buNone/>
+            </a:pPr>
+            <a:r>
+              <a:rPr lang="zh-CN" altLang="zh-TW" sz="6400" b="1" dirty="0">
+                <a:solidFill>
+                  <a:srgbClr val="660033"/>
                 </a:solidFill>
                 <a:latin typeface="Microsoft JhengHei" panose="020B0604030504040204" pitchFamily="34" charset="-120"/>
                 <a:ea typeface="Microsoft JhengHei" panose="020B0604030504040204" pitchFamily="34" charset="-120"/>
               </a:rPr>
-              <a:t>【</a:t>
-            </a:r>
-            <a:r>
-              <a:rPr lang="zh-CN" altLang="en-US" sz="4800" b="1" dirty="0">
-                <a:solidFill>
-                  <a:srgbClr val="002060"/>
+              <a:t>無有一傷感我主不安慰</a:t>
+            </a:r>
+          </a:p>
+          <a:p>
+            <a:pPr marL="0" indent="0" algn="ctr">
+              <a:buNone/>
+            </a:pPr>
+            <a:r>
+              <a:rPr lang="zh-CN" altLang="zh-TW" sz="6400" b="1" dirty="0">
+                <a:solidFill>
+                  <a:srgbClr val="660033"/>
                 </a:solidFill>
                 <a:latin typeface="Microsoft JhengHei" panose="020B0604030504040204" pitchFamily="34" charset="-120"/>
                 <a:ea typeface="Microsoft JhengHei" panose="020B0604030504040204" pitchFamily="34" charset="-120"/>
               </a:rPr>
-              <a:t>時刻蒙恩</a:t>
-            </a:r>
-            <a:r>
-              <a:rPr lang="en-US" altLang="zh-CN" sz="4800" b="1" dirty="0">
-                <a:solidFill>
-                  <a:srgbClr val="002060"/>
-                </a:solidFill>
-                <a:latin typeface="Microsoft JhengHei" panose="020B0604030504040204" pitchFamily="34" charset="-120"/>
-                <a:ea typeface="Microsoft JhengHei" panose="020B0604030504040204" pitchFamily="34" charset="-120"/>
-              </a:rPr>
-              <a:t>】</a:t>
-            </a:r>
-          </a:p>
-        </p:txBody>
-      </p:sp>
-      <p:sp>
-        <p:nvSpPr>
-          <p:cNvPr id="5" name="Content Placeholder 4"/>
-          <p:cNvSpPr>
-            <a:spLocks noGrp="1"/>
-          </p:cNvSpPr>
-          <p:nvPr>
-            <p:ph idx="1"/>
-          </p:nvPr>
-        </p:nvSpPr>
-        <p:spPr/>
-        <p:txBody>
-          <a:bodyPr>
-            <a:normAutofit/>
-          </a:bodyPr>
-          <a:lstStyle/>
-          <a:p>
-            <a:pPr marL="0" indent="0" algn="ctr">
-              <a:buNone/>
-            </a:pPr>
-            <a:r>
-              <a:rPr lang="zh-CN" altLang="zh-TW" sz="5400" b="1" dirty="0">
-                <a:solidFill>
-                  <a:srgbClr val="002060"/>
-                </a:solidFill>
-                <a:latin typeface="Microsoft JhengHei" panose="020B0604030504040204" pitchFamily="34" charset="-120"/>
-                <a:ea typeface="Microsoft JhengHei" panose="020B0604030504040204" pitchFamily="34" charset="-120"/>
-              </a:rPr>
-              <a:t>與耶穌同</a:t>
-            </a:r>
-            <a:r>
-              <a:rPr lang="zh-CN" altLang="zh-TW" sz="5400" b="1" dirty="0">
-                <a:solidFill>
-                  <a:srgbClr val="002060"/>
-                </a:solidFill>
-                <a:latin typeface="Microsoft JhengHei" panose="020B0604030504040204" pitchFamily="34" charset="-120"/>
-                <a:ea typeface="Microsoft JhengHei" panose="020B0604030504040204" pitchFamily="34" charset="-120"/>
-              </a:rPr>
-              <a:t>死因</a:t>
-            </a:r>
-            <a:r>
-              <a:rPr lang="zh-CN" altLang="zh-TW" sz="5400" b="1" dirty="0">
-                <a:solidFill>
-                  <a:srgbClr val="002060"/>
-                </a:solidFill>
-                <a:latin typeface="Microsoft JhengHei" panose="020B0604030504040204" pitchFamily="34" charset="-120"/>
-                <a:ea typeface="Microsoft JhengHei" panose="020B0604030504040204" pitchFamily="34" charset="-120"/>
-              </a:rPr>
-              <a:t>死反得生</a:t>
-            </a:r>
-          </a:p>
-          <a:p>
-            <a:pPr marL="0" indent="0" algn="ctr">
-              <a:buNone/>
-            </a:pPr>
-            <a:r>
-              <a:rPr lang="zh-CN" altLang="zh-TW" sz="5400" b="1" dirty="0">
-                <a:solidFill>
-                  <a:srgbClr val="002060"/>
-                </a:solidFill>
-                <a:latin typeface="Microsoft JhengHei" panose="020B0604030504040204" pitchFamily="34" charset="-120"/>
-                <a:ea typeface="Microsoft JhengHei" panose="020B0604030504040204" pitchFamily="34" charset="-120"/>
-              </a:rPr>
-              <a:t>與耶穌同</a:t>
-            </a:r>
-            <a:r>
-              <a:rPr lang="zh-CN" altLang="zh-TW" sz="5400" b="1" dirty="0">
-                <a:solidFill>
-                  <a:srgbClr val="002060"/>
-                </a:solidFill>
-                <a:latin typeface="Microsoft JhengHei" panose="020B0604030504040204" pitchFamily="34" charset="-120"/>
-                <a:ea typeface="Microsoft JhengHei" panose="020B0604030504040204" pitchFamily="34" charset="-120"/>
-              </a:rPr>
-              <a:t>活因</a:t>
-            </a:r>
-            <a:r>
-              <a:rPr lang="zh-CN" altLang="zh-TW" sz="5400" b="1" dirty="0">
-                <a:solidFill>
-                  <a:srgbClr val="002060"/>
-                </a:solidFill>
-                <a:latin typeface="Microsoft JhengHei" panose="020B0604030504040204" pitchFamily="34" charset="-120"/>
-                <a:ea typeface="Microsoft JhengHei" panose="020B0604030504040204" pitchFamily="34" charset="-120"/>
-              </a:rPr>
-              <a:t>活恩日</a:t>
-            </a:r>
-            <a:r>
-              <a:rPr lang="zh-CN" altLang="zh-TW" sz="5400" b="1" dirty="0">
-                <a:solidFill>
-                  <a:srgbClr val="002060"/>
-                </a:solidFill>
-                <a:latin typeface="Microsoft JhengHei" panose="020B0604030504040204" pitchFamily="34" charset="-120"/>
-                <a:ea typeface="Microsoft JhengHei" panose="020B0604030504040204" pitchFamily="34" charset="-120"/>
-              </a:rPr>
-              <a:t>增</a:t>
-            </a:r>
-            <a:endParaRPr lang="en-US" altLang="zh-CN" sz="5400" b="1" dirty="0">
+              <a:t>無有一眼淚我主不寶貴</a:t>
+            </a:r>
+            <a:endParaRPr lang="en-US" altLang="zh-CN" sz="6400" b="1" dirty="0">
               <a:solidFill>
-                <a:srgbClr val="002060"/>
+                <a:srgbClr val="660033"/>
               </a:solidFill>
               <a:latin typeface="Microsoft JhengHei" panose="020B0604030504040204" pitchFamily="34" charset="-120"/>
               <a:ea typeface="Microsoft JhengHei" panose="020B0604030504040204" pitchFamily="34" charset="-120"/>
             </a:endParaRPr>
           </a:p>
+        </p:txBody>
+      </p:sp>
+      <p:sp>
+        <p:nvSpPr>
+          <p:cNvPr id="3" name="TextBox 2"/>
+          <p:cNvSpPr txBox="1"/>
+          <p:nvPr/>
+        </p:nvSpPr>
+        <p:spPr>
+          <a:xfrm>
+            <a:off x="623392" y="2276872"/>
+            <a:ext cx="1248139" cy="1077218"/>
+          </a:xfrm>
+          <a:prstGeom prst="rect">
+            <a:avLst/>
+          </a:prstGeom>
+          <a:noFill/>
+        </p:spPr>
+        <p:txBody>
+          <a:bodyPr wrap="square" rtlCol="0">
+            <a:spAutoFit/>
+          </a:bodyPr>
+          <a:lstStyle/>
+          <a:p>
+            <a:r>
+              <a:rPr lang="en-US" sz="6400" b="1" dirty="0">
+                <a:solidFill>
+                  <a:srgbClr val="660033"/>
+                </a:solidFill>
+              </a:rPr>
+              <a:t>3.</a:t>
+            </a:r>
+            <a:endParaRPr lang="vi-VN" sz="6400" b="1" dirty="0">
+              <a:solidFill>
+                <a:srgbClr val="660033"/>
+              </a:solidFill>
+            </a:endParaRPr>
+          </a:p>
+        </p:txBody>
+      </p:sp>
+    </p:spTree>
+    <p:extLst>
+      <p:ext uri="{BB962C8B-B14F-4D97-AF65-F5344CB8AC3E}">
+        <p14:creationId xmlns:p14="http://schemas.microsoft.com/office/powerpoint/2010/main" val="2634777808"/>
+      </p:ext>
+    </p:extLst>
+  </p:cSld>
+  <p:clrMapOvr>
+    <a:masterClrMapping/>
+  </p:clrMapOvr>
+</p:sld>
+</file>
+
+<file path=ppt/slides/slide11.xml><?xml version="1.0" encoding="utf-8"?>
+<p:sld xmlns:a="http://schemas.openxmlformats.org/drawingml/2006/main" xmlns:r="http://schemas.openxmlformats.org/officeDocument/2006/relationships" xmlns:p="http://schemas.openxmlformats.org/presentationml/2006/main">
+  <p:cSld>
+    <p:spTree>
+      <p:nvGrpSpPr>
+        <p:cNvPr id="1" name=""/>
+        <p:cNvGrpSpPr/>
+        <p:nvPr/>
+      </p:nvGrpSpPr>
+      <p:grpSpPr>
+        <a:xfrm>
+          <a:off x="0" y="0"/>
+          <a:ext cx="0" cy="0"/>
+          <a:chOff x="0" y="0"/>
+          <a:chExt cx="0" cy="0"/>
+        </a:xfrm>
+      </p:grpSpPr>
+      <p:sp>
+        <p:nvSpPr>
+          <p:cNvPr id="5" name="內容版面配置區 4"/>
+          <p:cNvSpPr>
+            <a:spLocks noGrp="1"/>
+          </p:cNvSpPr>
+          <p:nvPr>
+            <p:ph idx="1"/>
+          </p:nvPr>
+        </p:nvSpPr>
+        <p:spPr>
+          <a:xfrm>
+            <a:off x="0" y="2084851"/>
+            <a:ext cx="12192000" cy="2404863"/>
+          </a:xfrm>
+        </p:spPr>
+        <p:txBody>
+          <a:bodyPr anchor="ctr">
+            <a:normAutofit/>
+          </a:bodyPr>
+          <a:lstStyle/>
           <a:p>
             <a:pPr marL="0" indent="0" algn="ctr">
               <a:buNone/>
             </a:pPr>
             <a:r>
-              <a:rPr lang="zh-CN" altLang="zh-TW" sz="5400" b="1" dirty="0">
-                <a:solidFill>
-                  <a:srgbClr val="002060"/>
+              <a:rPr lang="zh-CN" altLang="zh-TW" sz="6400" b="1" dirty="0">
+                <a:solidFill>
+                  <a:srgbClr val="660033"/>
                 </a:solidFill>
                 <a:latin typeface="Microsoft JhengHei" panose="020B0604030504040204" pitchFamily="34" charset="-120"/>
                 <a:ea typeface="Microsoft JhengHei" panose="020B0604030504040204" pitchFamily="34" charset="-120"/>
               </a:rPr>
-              <a:t>仰望我恩</a:t>
-            </a:r>
-            <a:r>
-              <a:rPr lang="zh-CN" altLang="zh-TW" sz="5400" b="1" dirty="0">
-                <a:solidFill>
-                  <a:srgbClr val="002060"/>
+              <a:t>無有一危險我主不同在</a:t>
+            </a:r>
+          </a:p>
+          <a:p>
+            <a:pPr marL="0" indent="0" algn="ctr">
+              <a:buNone/>
+            </a:pPr>
+            <a:r>
+              <a:rPr lang="zh-CN" altLang="zh-TW" sz="6400" b="1" dirty="0">
+                <a:solidFill>
+                  <a:srgbClr val="660033"/>
                 </a:solidFill>
                 <a:latin typeface="Microsoft JhengHei" panose="020B0604030504040204" pitchFamily="34" charset="-120"/>
                 <a:ea typeface="Microsoft JhengHei" panose="020B0604030504040204" pitchFamily="34" charset="-120"/>
               </a:rPr>
-              <a:t>主榮</a:t>
-            </a:r>
-            <a:r>
-              <a:rPr lang="zh-CN" altLang="zh-TW" sz="5400" b="1" dirty="0">
-                <a:solidFill>
-                  <a:srgbClr val="002060"/>
-                </a:solidFill>
-                <a:latin typeface="Microsoft JhengHei" panose="020B0604030504040204" pitchFamily="34" charset="-120"/>
-                <a:ea typeface="Microsoft JhengHei" panose="020B0604030504040204" pitchFamily="34" charset="-120"/>
-              </a:rPr>
-              <a:t>光必照臨</a:t>
-            </a:r>
-          </a:p>
-          <a:p>
-            <a:pPr marL="0" indent="0" algn="ctr">
-              <a:buNone/>
-            </a:pPr>
-            <a:r>
-              <a:rPr lang="zh-CN" altLang="zh-TW" sz="5400" b="1" dirty="0">
-                <a:solidFill>
-                  <a:srgbClr val="002060"/>
-                </a:solidFill>
-                <a:latin typeface="Microsoft JhengHei" panose="020B0604030504040204" pitchFamily="34" charset="-120"/>
-                <a:ea typeface="Microsoft JhengHei" panose="020B0604030504040204" pitchFamily="34" charset="-120"/>
-              </a:rPr>
-              <a:t>每時每</a:t>
-            </a:r>
-            <a:r>
-              <a:rPr lang="zh-CN" altLang="zh-TW" sz="5400" b="1" dirty="0">
-                <a:solidFill>
-                  <a:srgbClr val="002060"/>
-                </a:solidFill>
-                <a:latin typeface="Microsoft JhengHei" panose="020B0604030504040204" pitchFamily="34" charset="-120"/>
-                <a:ea typeface="Microsoft JhengHei" panose="020B0604030504040204" pitchFamily="34" charset="-120"/>
-              </a:rPr>
-              <a:t>刻我</a:t>
-            </a:r>
-            <a:r>
-              <a:rPr lang="zh-CN" altLang="zh-TW" sz="5400" b="1" dirty="0">
-                <a:solidFill>
-                  <a:srgbClr val="002060"/>
-                </a:solidFill>
-                <a:latin typeface="Microsoft JhengHei" panose="020B0604030504040204" pitchFamily="34" charset="-120"/>
-                <a:ea typeface="Microsoft JhengHei" panose="020B0604030504040204" pitchFamily="34" charset="-120"/>
-              </a:rPr>
-              <a:t>都</a:t>
-            </a:r>
-            <a:r>
-              <a:rPr lang="zh-TW" altLang="en-US" sz="5400" b="1" dirty="0">
-                <a:solidFill>
-                  <a:srgbClr val="002060"/>
+              <a:t>每時每刻我都</a:t>
+            </a:r>
+            <a:r>
+              <a:rPr lang="zh-TW" altLang="en-US" sz="6400" b="1" dirty="0">
+                <a:solidFill>
+                  <a:srgbClr val="660033"/>
                 </a:solidFill>
                 <a:latin typeface="Microsoft JhengHei" panose="020B0604030504040204" pitchFamily="34" charset="-120"/>
                 <a:ea typeface="Microsoft JhengHei" panose="020B0604030504040204" pitchFamily="34" charset="-120"/>
@@ -3956,30 +4098,19 @@
               <a:t>蒙</a:t>
             </a:r>
             <a:r>
-              <a:rPr lang="zh-CN" altLang="zh-TW" sz="5400" b="1" dirty="0">
-                <a:solidFill>
-                  <a:srgbClr val="002060"/>
+              <a:rPr lang="zh-CN" altLang="zh-TW" sz="6400" b="1" dirty="0">
+                <a:solidFill>
+                  <a:srgbClr val="660033"/>
                 </a:solidFill>
                 <a:latin typeface="Microsoft JhengHei" panose="020B0604030504040204" pitchFamily="34" charset="-120"/>
                 <a:ea typeface="Microsoft JhengHei" panose="020B0604030504040204" pitchFamily="34" charset="-120"/>
                 <a:sym typeface="+mn-ea"/>
               </a:rPr>
-              <a:t>主鴻</a:t>
-            </a:r>
-            <a:r>
-              <a:rPr lang="zh-CN" altLang="zh-TW" sz="5400" b="1" dirty="0">
-                <a:solidFill>
-                  <a:srgbClr val="002060"/>
-                </a:solidFill>
-                <a:latin typeface="Microsoft JhengHei" panose="020B0604030504040204" pitchFamily="34" charset="-120"/>
-                <a:ea typeface="Microsoft JhengHei" panose="020B0604030504040204" pitchFamily="34" charset="-120"/>
-                <a:sym typeface="+mn-ea"/>
-              </a:rPr>
-              <a:t>恩</a:t>
-            </a:r>
-            <a:endParaRPr lang="zh-CN" altLang="zh-TW" sz="5400" b="1" dirty="0">
+              <a:t>主恩愛</a:t>
+            </a:r>
+            <a:endParaRPr lang="zh-CN" altLang="zh-TW" sz="6400" b="1" dirty="0">
               <a:solidFill>
-                <a:srgbClr val="002060"/>
+                <a:srgbClr val="660033"/>
               </a:solidFill>
               <a:latin typeface="Microsoft JhengHei" panose="020B0604030504040204" pitchFamily="34" charset="-120"/>
               <a:ea typeface="Microsoft JhengHei" panose="020B0604030504040204" pitchFamily="34" charset="-120"/>
@@ -3990,46 +4121,710 @@
       </p:sp>
       <p:sp>
         <p:nvSpPr>
-          <p:cNvPr id="7" name="Text Box 1"/>
+          <p:cNvPr id="3" name="TextBox 2"/>
           <p:cNvSpPr txBox="1"/>
           <p:nvPr/>
         </p:nvSpPr>
         <p:spPr>
           <a:xfrm>
-            <a:off x="911424" y="1619645"/>
-            <a:ext cx="1380490" cy="923330"/>
+            <a:off x="623392" y="2276872"/>
+            <a:ext cx="1248139" cy="1077218"/>
           </a:xfrm>
           <a:prstGeom prst="rect">
             <a:avLst/>
           </a:prstGeom>
           <a:noFill/>
-          <a:ln w="9525">
-            <a:noFill/>
-            <a:miter lim="800000"/>
-          </a:ln>
         </p:spPr>
         <p:txBody>
-          <a:bodyPr wrap="square">
+          <a:bodyPr wrap="square" rtlCol="0">
             <a:spAutoFit/>
           </a:bodyPr>
           <a:lstStyle/>
           <a:p>
-            <a:pPr algn="ctr"/>
-            <a:r>
-              <a:rPr lang="en-US" sz="5400" b="1" dirty="0">
-                <a:solidFill>
-                  <a:srgbClr val="002060"/>
+            <a:r>
+              <a:rPr lang="en-US" sz="6400" b="1" dirty="0">
+                <a:solidFill>
+                  <a:srgbClr val="660033"/>
                 </a:solidFill>
               </a:rPr>
-              <a:t>1.</a:t>
-            </a:r>
+              <a:t>3.</a:t>
+            </a:r>
+            <a:endParaRPr lang="vi-VN" sz="6400" b="1" dirty="0">
+              <a:solidFill>
+                <a:srgbClr val="660033"/>
+              </a:solidFill>
+            </a:endParaRPr>
           </a:p>
         </p:txBody>
       </p:sp>
     </p:spTree>
     <p:extLst>
       <p:ext uri="{BB962C8B-B14F-4D97-AF65-F5344CB8AC3E}">
-        <p14:creationId xmlns:p14="http://schemas.microsoft.com/office/powerpoint/2010/main" val="1377873472"/>
+        <p14:creationId xmlns:p14="http://schemas.microsoft.com/office/powerpoint/2010/main" val="184707817"/>
+      </p:ext>
+    </p:extLst>
+  </p:cSld>
+  <p:clrMapOvr>
+    <a:masterClrMapping/>
+  </p:clrMapOvr>
+</p:sld>
+</file>
+
+<file path=ppt/slides/slide12.xml><?xml version="1.0" encoding="utf-8"?>
+<p:sld xmlns:a="http://schemas.openxmlformats.org/drawingml/2006/main" xmlns:r="http://schemas.openxmlformats.org/officeDocument/2006/relationships" xmlns:p="http://schemas.openxmlformats.org/presentationml/2006/main">
+  <p:cSld>
+    <p:spTree>
+      <p:nvGrpSpPr>
+        <p:cNvPr id="1" name=""/>
+        <p:cNvGrpSpPr/>
+        <p:nvPr/>
+      </p:nvGrpSpPr>
+      <p:grpSpPr>
+        <a:xfrm>
+          <a:off x="0" y="0"/>
+          <a:ext cx="0" cy="0"/>
+          <a:chOff x="0" y="0"/>
+          <a:chExt cx="0" cy="0"/>
+        </a:xfrm>
+      </p:grpSpPr>
+      <p:sp>
+        <p:nvSpPr>
+          <p:cNvPr id="5" name="內容版面配置區 4"/>
+          <p:cNvSpPr>
+            <a:spLocks noGrp="1"/>
+          </p:cNvSpPr>
+          <p:nvPr>
+            <p:ph idx="1"/>
+          </p:nvPr>
+        </p:nvSpPr>
+        <p:spPr>
+          <a:xfrm>
+            <a:off x="0" y="2084851"/>
+            <a:ext cx="12192000" cy="2404863"/>
+          </a:xfrm>
+        </p:spPr>
+        <p:txBody>
+          <a:bodyPr anchor="ctr">
+            <a:normAutofit/>
+          </a:bodyPr>
+          <a:lstStyle/>
+          <a:p>
+            <a:pPr marL="0" indent="0" algn="ctr">
+              <a:buNone/>
+            </a:pPr>
+            <a:r>
+              <a:rPr lang="zh-CN" altLang="zh-TW" sz="6400" b="1" dirty="0">
+                <a:solidFill>
+                  <a:srgbClr val="660033"/>
+                </a:solidFill>
+                <a:latin typeface="Microsoft JhengHei" panose="020B0604030504040204" pitchFamily="34" charset="-120"/>
+                <a:ea typeface="Microsoft JhengHei" panose="020B0604030504040204" pitchFamily="34" charset="-120"/>
+              </a:rPr>
+              <a:t>每時每刻我</a:t>
+            </a:r>
+            <a:r>
+              <a:rPr lang="zh-TW" altLang="en-US" sz="6400" b="1" dirty="0">
+                <a:solidFill>
+                  <a:srgbClr val="660033"/>
+                </a:solidFill>
+                <a:latin typeface="Microsoft JhengHei" panose="020B0604030504040204" pitchFamily="34" charset="-120"/>
+                <a:ea typeface="Microsoft JhengHei" panose="020B0604030504040204" pitchFamily="34" charset="-120"/>
+                <a:sym typeface="+mn-ea"/>
+              </a:rPr>
+              <a:t>蒙</a:t>
+            </a:r>
+            <a:r>
+              <a:rPr lang="zh-CN" altLang="zh-TW" sz="6400" b="1" dirty="0">
+                <a:solidFill>
+                  <a:srgbClr val="660033"/>
+                </a:solidFill>
+                <a:latin typeface="Microsoft JhengHei" panose="020B0604030504040204" pitchFamily="34" charset="-120"/>
+                <a:ea typeface="Microsoft JhengHei" panose="020B0604030504040204" pitchFamily="34" charset="-120"/>
+                <a:sym typeface="+mn-ea"/>
+              </a:rPr>
+              <a:t>主愛保守</a:t>
+            </a:r>
+          </a:p>
+          <a:p>
+            <a:pPr marL="0" indent="0" algn="ctr">
+              <a:buNone/>
+            </a:pPr>
+            <a:r>
+              <a:rPr lang="zh-CN" altLang="zh-TW" sz="6400" b="1" dirty="0">
+                <a:solidFill>
+                  <a:srgbClr val="660033"/>
+                </a:solidFill>
+                <a:latin typeface="Microsoft JhengHei" panose="020B0604030504040204" pitchFamily="34" charset="-120"/>
+                <a:ea typeface="Microsoft JhengHei" panose="020B0604030504040204" pitchFamily="34" charset="-120"/>
+                <a:sym typeface="+mn-ea"/>
+              </a:rPr>
+              <a:t>每時每刻生命泉向我流</a:t>
+            </a:r>
+            <a:endParaRPr lang="en-US" altLang="zh-CN" sz="6400" b="1" dirty="0">
+              <a:solidFill>
+                <a:srgbClr val="660033"/>
+              </a:solidFill>
+              <a:latin typeface="Microsoft JhengHei" panose="020B0604030504040204" pitchFamily="34" charset="-120"/>
+              <a:ea typeface="Microsoft JhengHei" panose="020B0604030504040204" pitchFamily="34" charset="-120"/>
+              <a:sym typeface="+mn-ea"/>
+            </a:endParaRPr>
+          </a:p>
+        </p:txBody>
+      </p:sp>
+    </p:spTree>
+    <p:extLst>
+      <p:ext uri="{BB962C8B-B14F-4D97-AF65-F5344CB8AC3E}">
+        <p14:creationId xmlns:p14="http://schemas.microsoft.com/office/powerpoint/2010/main" val="2410609174"/>
+      </p:ext>
+    </p:extLst>
+  </p:cSld>
+  <p:clrMapOvr>
+    <a:masterClrMapping/>
+  </p:clrMapOvr>
+</p:sld>
+</file>
+
+<file path=ppt/slides/slide13.xml><?xml version="1.0" encoding="utf-8"?>
+<p:sld xmlns:a="http://schemas.openxmlformats.org/drawingml/2006/main" xmlns:r="http://schemas.openxmlformats.org/officeDocument/2006/relationships" xmlns:p="http://schemas.openxmlformats.org/presentationml/2006/main">
+  <p:cSld>
+    <p:spTree>
+      <p:nvGrpSpPr>
+        <p:cNvPr id="1" name=""/>
+        <p:cNvGrpSpPr/>
+        <p:nvPr/>
+      </p:nvGrpSpPr>
+      <p:grpSpPr>
+        <a:xfrm>
+          <a:off x="0" y="0"/>
+          <a:ext cx="0" cy="0"/>
+          <a:chOff x="0" y="0"/>
+          <a:chExt cx="0" cy="0"/>
+        </a:xfrm>
+      </p:grpSpPr>
+      <p:sp>
+        <p:nvSpPr>
+          <p:cNvPr id="5" name="內容版面配置區 4"/>
+          <p:cNvSpPr>
+            <a:spLocks noGrp="1"/>
+          </p:cNvSpPr>
+          <p:nvPr>
+            <p:ph idx="1"/>
+          </p:nvPr>
+        </p:nvSpPr>
+        <p:spPr>
+          <a:xfrm>
+            <a:off x="0" y="2084851"/>
+            <a:ext cx="12192000" cy="2404863"/>
+          </a:xfrm>
+        </p:spPr>
+        <p:txBody>
+          <a:bodyPr anchor="ctr">
+            <a:normAutofit/>
+          </a:bodyPr>
+          <a:lstStyle/>
+          <a:p>
+            <a:pPr marL="0" indent="0" algn="ctr">
+              <a:buNone/>
+            </a:pPr>
+            <a:r>
+              <a:rPr lang="zh-CN" altLang="zh-TW" sz="6400" b="1" dirty="0">
+                <a:solidFill>
+                  <a:srgbClr val="660033"/>
+                </a:solidFill>
+                <a:latin typeface="Microsoft JhengHei" panose="020B0604030504040204" pitchFamily="34" charset="-120"/>
+                <a:ea typeface="Microsoft JhengHei" panose="020B0604030504040204" pitchFamily="34" charset="-120"/>
+              </a:rPr>
+              <a:t>仰望主耶穌榮光就照臨</a:t>
+            </a:r>
+          </a:p>
+          <a:p>
+            <a:pPr marL="0" indent="0" algn="ctr">
+              <a:buNone/>
+            </a:pPr>
+            <a:r>
+              <a:rPr lang="zh-CN" altLang="zh-TW" sz="6400" b="1" dirty="0">
+                <a:solidFill>
+                  <a:srgbClr val="660033"/>
+                </a:solidFill>
+                <a:latin typeface="Microsoft JhengHei" panose="020B0604030504040204" pitchFamily="34" charset="-120"/>
+                <a:ea typeface="Microsoft JhengHei" panose="020B0604030504040204" pitchFamily="34" charset="-120"/>
+              </a:rPr>
+              <a:t>每時每刻我為救主子民</a:t>
+            </a:r>
+            <a:endParaRPr lang="zh-CN" altLang="zh-TW" sz="6400" b="1" dirty="0">
+              <a:solidFill>
+                <a:srgbClr val="660033"/>
+              </a:solidFill>
+              <a:latin typeface="Microsoft JhengHei" panose="020B0604030504040204" pitchFamily="34" charset="-120"/>
+              <a:ea typeface="Microsoft JhengHei" panose="020B0604030504040204" pitchFamily="34" charset="-120"/>
+            </a:endParaRPr>
+          </a:p>
+        </p:txBody>
+      </p:sp>
+    </p:spTree>
+    <p:extLst>
+      <p:ext uri="{BB962C8B-B14F-4D97-AF65-F5344CB8AC3E}">
+        <p14:creationId xmlns:p14="http://schemas.microsoft.com/office/powerpoint/2010/main" val="102690972"/>
+      </p:ext>
+    </p:extLst>
+  </p:cSld>
+  <p:clrMapOvr>
+    <a:masterClrMapping/>
+  </p:clrMapOvr>
+</p:sld>
+</file>
+
+<file path=ppt/slides/slide14.xml><?xml version="1.0" encoding="utf-8"?>
+<p:sld xmlns:a="http://schemas.openxmlformats.org/drawingml/2006/main" xmlns:r="http://schemas.openxmlformats.org/officeDocument/2006/relationships" xmlns:p="http://schemas.openxmlformats.org/presentationml/2006/main">
+  <p:cSld>
+    <p:spTree>
+      <p:nvGrpSpPr>
+        <p:cNvPr id="1" name=""/>
+        <p:cNvGrpSpPr/>
+        <p:nvPr/>
+      </p:nvGrpSpPr>
+      <p:grpSpPr>
+        <a:xfrm>
+          <a:off x="0" y="0"/>
+          <a:ext cx="0" cy="0"/>
+          <a:chOff x="0" y="0"/>
+          <a:chExt cx="0" cy="0"/>
+        </a:xfrm>
+      </p:grpSpPr>
+      <p:sp>
+        <p:nvSpPr>
+          <p:cNvPr id="5" name="內容版面配置區 4"/>
+          <p:cNvSpPr>
+            <a:spLocks noGrp="1"/>
+          </p:cNvSpPr>
+          <p:nvPr>
+            <p:ph idx="1"/>
+          </p:nvPr>
+        </p:nvSpPr>
+        <p:spPr>
+          <a:xfrm>
+            <a:off x="0" y="2084851"/>
+            <a:ext cx="12192000" cy="2404863"/>
+          </a:xfrm>
+        </p:spPr>
+        <p:txBody>
+          <a:bodyPr anchor="ctr">
+            <a:normAutofit/>
+          </a:bodyPr>
+          <a:lstStyle/>
+          <a:p>
+            <a:pPr marL="0" indent="0" algn="ctr">
+              <a:buNone/>
+            </a:pPr>
+            <a:r>
+              <a:rPr lang="zh-CN" altLang="zh-TW" sz="6400" b="1" dirty="0">
+                <a:solidFill>
+                  <a:srgbClr val="660033"/>
+                </a:solidFill>
+                <a:latin typeface="Microsoft JhengHei" panose="020B0604030504040204" pitchFamily="34" charset="-120"/>
+                <a:ea typeface="Microsoft JhengHei" panose="020B0604030504040204" pitchFamily="34" charset="-120"/>
+              </a:rPr>
+              <a:t>無有一懦弱我主不扶助</a:t>
+            </a:r>
+          </a:p>
+          <a:p>
+            <a:pPr marL="0" indent="0" algn="ctr">
+              <a:buNone/>
+            </a:pPr>
+            <a:r>
+              <a:rPr lang="zh-CN" altLang="zh-TW" sz="6400" b="1" dirty="0">
+                <a:solidFill>
+                  <a:srgbClr val="660033"/>
+                </a:solidFill>
+                <a:latin typeface="Microsoft JhengHei" panose="020B0604030504040204" pitchFamily="34" charset="-120"/>
+                <a:ea typeface="Microsoft JhengHei" panose="020B0604030504040204" pitchFamily="34" charset="-120"/>
+              </a:rPr>
+              <a:t>無有一病患我主不看顧</a:t>
+            </a:r>
+            <a:endParaRPr lang="en-US" altLang="zh-CN" sz="6400" b="1" dirty="0">
+              <a:solidFill>
+                <a:srgbClr val="660033"/>
+              </a:solidFill>
+              <a:latin typeface="Microsoft JhengHei" panose="020B0604030504040204" pitchFamily="34" charset="-120"/>
+              <a:ea typeface="Microsoft JhengHei" panose="020B0604030504040204" pitchFamily="34" charset="-120"/>
+            </a:endParaRPr>
+          </a:p>
+        </p:txBody>
+      </p:sp>
+      <p:sp>
+        <p:nvSpPr>
+          <p:cNvPr id="3" name="TextBox 2"/>
+          <p:cNvSpPr txBox="1"/>
+          <p:nvPr/>
+        </p:nvSpPr>
+        <p:spPr>
+          <a:xfrm>
+            <a:off x="623392" y="2276872"/>
+            <a:ext cx="1248139" cy="1077218"/>
+          </a:xfrm>
+          <a:prstGeom prst="rect">
+            <a:avLst/>
+          </a:prstGeom>
+          <a:noFill/>
+        </p:spPr>
+        <p:txBody>
+          <a:bodyPr wrap="square" rtlCol="0">
+            <a:spAutoFit/>
+          </a:bodyPr>
+          <a:lstStyle/>
+          <a:p>
+            <a:r>
+              <a:rPr lang="en-US" sz="6400" b="1" dirty="0">
+                <a:solidFill>
+                  <a:srgbClr val="660033"/>
+                </a:solidFill>
+              </a:rPr>
+              <a:t>4.</a:t>
+            </a:r>
+            <a:endParaRPr lang="vi-VN" sz="6400" b="1" dirty="0">
+              <a:solidFill>
+                <a:srgbClr val="660033"/>
+              </a:solidFill>
+            </a:endParaRPr>
+          </a:p>
+        </p:txBody>
+      </p:sp>
+    </p:spTree>
+    <p:extLst>
+      <p:ext uri="{BB962C8B-B14F-4D97-AF65-F5344CB8AC3E}">
+        <p14:creationId xmlns:p14="http://schemas.microsoft.com/office/powerpoint/2010/main" val="290171867"/>
+      </p:ext>
+    </p:extLst>
+  </p:cSld>
+  <p:clrMapOvr>
+    <a:masterClrMapping/>
+  </p:clrMapOvr>
+</p:sld>
+</file>
+
+<file path=ppt/slides/slide15.xml><?xml version="1.0" encoding="utf-8"?>
+<p:sld xmlns:a="http://schemas.openxmlformats.org/drawingml/2006/main" xmlns:r="http://schemas.openxmlformats.org/officeDocument/2006/relationships" xmlns:p="http://schemas.openxmlformats.org/presentationml/2006/main">
+  <p:cSld>
+    <p:spTree>
+      <p:nvGrpSpPr>
+        <p:cNvPr id="1" name=""/>
+        <p:cNvGrpSpPr/>
+        <p:nvPr/>
+      </p:nvGrpSpPr>
+      <p:grpSpPr>
+        <a:xfrm>
+          <a:off x="0" y="0"/>
+          <a:ext cx="0" cy="0"/>
+          <a:chOff x="0" y="0"/>
+          <a:chExt cx="0" cy="0"/>
+        </a:xfrm>
+      </p:grpSpPr>
+      <p:sp>
+        <p:nvSpPr>
+          <p:cNvPr id="5" name="內容版面配置區 4"/>
+          <p:cNvSpPr>
+            <a:spLocks noGrp="1"/>
+          </p:cNvSpPr>
+          <p:nvPr>
+            <p:ph idx="1"/>
+          </p:nvPr>
+        </p:nvSpPr>
+        <p:spPr>
+          <a:xfrm>
+            <a:off x="0" y="2084851"/>
+            <a:ext cx="12192000" cy="2404863"/>
+          </a:xfrm>
+        </p:spPr>
+        <p:txBody>
+          <a:bodyPr anchor="ctr">
+            <a:normAutofit/>
+          </a:bodyPr>
+          <a:lstStyle/>
+          <a:p>
+            <a:pPr marL="0" indent="0" algn="ctr">
+              <a:buNone/>
+            </a:pPr>
+            <a:r>
+              <a:rPr lang="zh-CN" altLang="zh-TW" sz="6400" b="1" dirty="0">
+                <a:solidFill>
+                  <a:srgbClr val="660033"/>
+                </a:solidFill>
+                <a:latin typeface="Microsoft JhengHei" panose="020B0604030504040204" pitchFamily="34" charset="-120"/>
+                <a:ea typeface="Microsoft JhengHei" panose="020B0604030504040204" pitchFamily="34" charset="-120"/>
+              </a:rPr>
+              <a:t>每時每刻我遇苦或遇福</a:t>
+            </a:r>
+          </a:p>
+          <a:p>
+            <a:pPr marL="0" indent="0" algn="ctr">
+              <a:buNone/>
+            </a:pPr>
+            <a:r>
+              <a:rPr lang="zh-CN" altLang="zh-TW" sz="6400" b="1" dirty="0">
+                <a:solidFill>
+                  <a:srgbClr val="660033"/>
+                </a:solidFill>
+                <a:latin typeface="Microsoft JhengHei" panose="020B0604030504040204" pitchFamily="34" charset="-120"/>
+                <a:ea typeface="Microsoft JhengHei" panose="020B0604030504040204" pitchFamily="34" charset="-120"/>
+              </a:rPr>
+              <a:t>耶穌我救主必時常保護</a:t>
+            </a:r>
+            <a:endParaRPr lang="zh-CN" altLang="zh-TW" sz="6400" b="1" dirty="0">
+              <a:solidFill>
+                <a:srgbClr val="660033"/>
+              </a:solidFill>
+              <a:latin typeface="Microsoft JhengHei" panose="020B0604030504040204" pitchFamily="34" charset="-120"/>
+              <a:ea typeface="Microsoft JhengHei" panose="020B0604030504040204" pitchFamily="34" charset="-120"/>
+            </a:endParaRPr>
+          </a:p>
+        </p:txBody>
+      </p:sp>
+      <p:sp>
+        <p:nvSpPr>
+          <p:cNvPr id="3" name="TextBox 2"/>
+          <p:cNvSpPr txBox="1"/>
+          <p:nvPr/>
+        </p:nvSpPr>
+        <p:spPr>
+          <a:xfrm>
+            <a:off x="623392" y="2276872"/>
+            <a:ext cx="1248139" cy="1077218"/>
+          </a:xfrm>
+          <a:prstGeom prst="rect">
+            <a:avLst/>
+          </a:prstGeom>
+          <a:noFill/>
+        </p:spPr>
+        <p:txBody>
+          <a:bodyPr wrap="square" rtlCol="0">
+            <a:spAutoFit/>
+          </a:bodyPr>
+          <a:lstStyle/>
+          <a:p>
+            <a:r>
+              <a:rPr lang="en-US" sz="6400" b="1" dirty="0">
+                <a:solidFill>
+                  <a:srgbClr val="660033"/>
+                </a:solidFill>
+              </a:rPr>
+              <a:t>4.</a:t>
+            </a:r>
+            <a:endParaRPr lang="vi-VN" sz="6400" b="1" dirty="0">
+              <a:solidFill>
+                <a:srgbClr val="660033"/>
+              </a:solidFill>
+            </a:endParaRPr>
+          </a:p>
+        </p:txBody>
+      </p:sp>
+    </p:spTree>
+    <p:extLst>
+      <p:ext uri="{BB962C8B-B14F-4D97-AF65-F5344CB8AC3E}">
+        <p14:creationId xmlns:p14="http://schemas.microsoft.com/office/powerpoint/2010/main" val="1335432064"/>
+      </p:ext>
+    </p:extLst>
+  </p:cSld>
+  <p:clrMapOvr>
+    <a:masterClrMapping/>
+  </p:clrMapOvr>
+</p:sld>
+</file>
+
+<file path=ppt/slides/slide16.xml><?xml version="1.0" encoding="utf-8"?>
+<p:sld xmlns:a="http://schemas.openxmlformats.org/drawingml/2006/main" xmlns:r="http://schemas.openxmlformats.org/officeDocument/2006/relationships" xmlns:p="http://schemas.openxmlformats.org/presentationml/2006/main">
+  <p:cSld>
+    <p:spTree>
+      <p:nvGrpSpPr>
+        <p:cNvPr id="1" name=""/>
+        <p:cNvGrpSpPr/>
+        <p:nvPr/>
+      </p:nvGrpSpPr>
+      <p:grpSpPr>
+        <a:xfrm>
+          <a:off x="0" y="0"/>
+          <a:ext cx="0" cy="0"/>
+          <a:chOff x="0" y="0"/>
+          <a:chExt cx="0" cy="0"/>
+        </a:xfrm>
+      </p:grpSpPr>
+      <p:sp>
+        <p:nvSpPr>
+          <p:cNvPr id="5" name="內容版面配置區 4"/>
+          <p:cNvSpPr>
+            <a:spLocks noGrp="1"/>
+          </p:cNvSpPr>
+          <p:nvPr>
+            <p:ph idx="1"/>
+          </p:nvPr>
+        </p:nvSpPr>
+        <p:spPr>
+          <a:xfrm>
+            <a:off x="0" y="2084851"/>
+            <a:ext cx="12192000" cy="2404863"/>
+          </a:xfrm>
+        </p:spPr>
+        <p:txBody>
+          <a:bodyPr anchor="ctr">
+            <a:normAutofit/>
+          </a:bodyPr>
+          <a:lstStyle/>
+          <a:p>
+            <a:pPr marL="0" indent="0" algn="ctr">
+              <a:buNone/>
+            </a:pPr>
+            <a:r>
+              <a:rPr lang="zh-CN" altLang="zh-TW" sz="6400" b="1" dirty="0">
+                <a:solidFill>
+                  <a:srgbClr val="660033"/>
+                </a:solidFill>
+                <a:latin typeface="Microsoft JhengHei" panose="020B0604030504040204" pitchFamily="34" charset="-120"/>
+                <a:ea typeface="Microsoft JhengHei" panose="020B0604030504040204" pitchFamily="34" charset="-120"/>
+              </a:rPr>
+              <a:t>每時每刻我</a:t>
+            </a:r>
+            <a:r>
+              <a:rPr lang="zh-TW" altLang="en-US" sz="6400" b="1" dirty="0">
+                <a:solidFill>
+                  <a:srgbClr val="660033"/>
+                </a:solidFill>
+                <a:latin typeface="Microsoft JhengHei" panose="020B0604030504040204" pitchFamily="34" charset="-120"/>
+                <a:ea typeface="Microsoft JhengHei" panose="020B0604030504040204" pitchFamily="34" charset="-120"/>
+                <a:sym typeface="+mn-ea"/>
+              </a:rPr>
+              <a:t>蒙</a:t>
+            </a:r>
+            <a:r>
+              <a:rPr lang="zh-CN" altLang="zh-TW" sz="6400" b="1" dirty="0">
+                <a:solidFill>
+                  <a:srgbClr val="660033"/>
+                </a:solidFill>
+                <a:latin typeface="Microsoft JhengHei" panose="020B0604030504040204" pitchFamily="34" charset="-120"/>
+                <a:ea typeface="Microsoft JhengHei" panose="020B0604030504040204" pitchFamily="34" charset="-120"/>
+                <a:sym typeface="+mn-ea"/>
+              </a:rPr>
+              <a:t>主愛保守</a:t>
+            </a:r>
+          </a:p>
+          <a:p>
+            <a:pPr marL="0" indent="0" algn="ctr">
+              <a:buNone/>
+            </a:pPr>
+            <a:r>
+              <a:rPr lang="zh-CN" altLang="zh-TW" sz="6400" b="1" dirty="0">
+                <a:solidFill>
+                  <a:srgbClr val="660033"/>
+                </a:solidFill>
+                <a:latin typeface="Microsoft JhengHei" panose="020B0604030504040204" pitchFamily="34" charset="-120"/>
+                <a:ea typeface="Microsoft JhengHei" panose="020B0604030504040204" pitchFamily="34" charset="-120"/>
+                <a:sym typeface="+mn-ea"/>
+              </a:rPr>
+              <a:t>每時每刻生命泉向我流</a:t>
+            </a:r>
+            <a:endParaRPr lang="en-US" altLang="zh-CN" sz="6400" b="1" dirty="0">
+              <a:solidFill>
+                <a:srgbClr val="660033"/>
+              </a:solidFill>
+              <a:latin typeface="Microsoft JhengHei" panose="020B0604030504040204" pitchFamily="34" charset="-120"/>
+              <a:ea typeface="Microsoft JhengHei" panose="020B0604030504040204" pitchFamily="34" charset="-120"/>
+              <a:sym typeface="+mn-ea"/>
+            </a:endParaRPr>
+          </a:p>
+        </p:txBody>
+      </p:sp>
+    </p:spTree>
+    <p:extLst>
+      <p:ext uri="{BB962C8B-B14F-4D97-AF65-F5344CB8AC3E}">
+        <p14:creationId xmlns:p14="http://schemas.microsoft.com/office/powerpoint/2010/main" val="1508356234"/>
+      </p:ext>
+    </p:extLst>
+  </p:cSld>
+  <p:clrMapOvr>
+    <a:masterClrMapping/>
+  </p:clrMapOvr>
+</p:sld>
+</file>
+
+<file path=ppt/slides/slide17.xml><?xml version="1.0" encoding="utf-8"?>
+<p:sld xmlns:a="http://schemas.openxmlformats.org/drawingml/2006/main" xmlns:r="http://schemas.openxmlformats.org/officeDocument/2006/relationships" xmlns:p="http://schemas.openxmlformats.org/presentationml/2006/main">
+  <p:cSld>
+    <p:spTree>
+      <p:nvGrpSpPr>
+        <p:cNvPr id="1" name=""/>
+        <p:cNvGrpSpPr/>
+        <p:nvPr/>
+      </p:nvGrpSpPr>
+      <p:grpSpPr>
+        <a:xfrm>
+          <a:off x="0" y="0"/>
+          <a:ext cx="0" cy="0"/>
+          <a:chOff x="0" y="0"/>
+          <a:chExt cx="0" cy="0"/>
+        </a:xfrm>
+      </p:grpSpPr>
+      <p:sp>
+        <p:nvSpPr>
+          <p:cNvPr id="5" name="內容版面配置區 4"/>
+          <p:cNvSpPr>
+            <a:spLocks noGrp="1"/>
+          </p:cNvSpPr>
+          <p:nvPr>
+            <p:ph idx="1"/>
+          </p:nvPr>
+        </p:nvSpPr>
+        <p:spPr>
+          <a:xfrm>
+            <a:off x="0" y="2084851"/>
+            <a:ext cx="12192000" cy="2404863"/>
+          </a:xfrm>
+        </p:spPr>
+        <p:txBody>
+          <a:bodyPr anchor="ctr">
+            <a:normAutofit/>
+          </a:bodyPr>
+          <a:lstStyle/>
+          <a:p>
+            <a:pPr marL="0" indent="0" algn="ctr">
+              <a:buNone/>
+            </a:pPr>
+            <a:r>
+              <a:rPr lang="zh-CN" altLang="zh-TW" sz="6400" b="1" dirty="0">
+                <a:solidFill>
+                  <a:srgbClr val="660033"/>
+                </a:solidFill>
+                <a:latin typeface="Microsoft JhengHei" panose="020B0604030504040204" pitchFamily="34" charset="-120"/>
+                <a:ea typeface="Microsoft JhengHei" panose="020B0604030504040204" pitchFamily="34" charset="-120"/>
+              </a:rPr>
+              <a:t>仰望主耶穌榮光就照臨</a:t>
+            </a:r>
+          </a:p>
+          <a:p>
+            <a:pPr marL="0" indent="0" algn="ctr">
+              <a:buNone/>
+            </a:pPr>
+            <a:r>
+              <a:rPr lang="zh-CN" altLang="zh-TW" sz="6400" b="1" dirty="0">
+                <a:solidFill>
+                  <a:srgbClr val="660033"/>
+                </a:solidFill>
+                <a:latin typeface="Microsoft JhengHei" panose="020B0604030504040204" pitchFamily="34" charset="-120"/>
+                <a:ea typeface="Microsoft JhengHei" panose="020B0604030504040204" pitchFamily="34" charset="-120"/>
+              </a:rPr>
+              <a:t>每時每刻我為救主子民</a:t>
+            </a:r>
+            <a:endParaRPr lang="zh-CN" altLang="zh-TW" sz="6400" b="1" dirty="0">
+              <a:solidFill>
+                <a:srgbClr val="660033"/>
+              </a:solidFill>
+              <a:latin typeface="Microsoft JhengHei" panose="020B0604030504040204" pitchFamily="34" charset="-120"/>
+              <a:ea typeface="Microsoft JhengHei" panose="020B0604030504040204" pitchFamily="34" charset="-120"/>
+            </a:endParaRPr>
+          </a:p>
+        </p:txBody>
+      </p:sp>
+    </p:spTree>
+    <p:extLst>
+      <p:ext uri="{BB962C8B-B14F-4D97-AF65-F5344CB8AC3E}">
+        <p14:creationId xmlns:p14="http://schemas.microsoft.com/office/powerpoint/2010/main" val="2553749525"/>
       </p:ext>
     </p:extLst>
   </p:cSld>
@@ -4058,256 +4853,57 @@
       </p:grpSpPr>
       <p:sp>
         <p:nvSpPr>
-          <p:cNvPr id="4" name="Title 3"/>
-          <p:cNvSpPr>
-            <a:spLocks noGrp="1"/>
-          </p:cNvSpPr>
-          <p:nvPr>
-            <p:ph type="title"/>
-          </p:nvPr>
-        </p:nvSpPr>
-        <p:spPr/>
-        <p:txBody>
-          <a:bodyPr>
+          <p:cNvPr id="5" name="內容版面配置區 4"/>
+          <p:cNvSpPr>
+            <a:spLocks noGrp="1"/>
+          </p:cNvSpPr>
+          <p:nvPr>
+            <p:ph idx="1"/>
+          </p:nvPr>
+        </p:nvSpPr>
+        <p:spPr>
+          <a:xfrm>
+            <a:off x="0" y="2084851"/>
+            <a:ext cx="12192000" cy="2404863"/>
+          </a:xfrm>
+        </p:spPr>
+        <p:txBody>
+          <a:bodyPr anchor="ctr">
             <a:normAutofit/>
           </a:bodyPr>
           <a:lstStyle/>
           <a:p>
-            <a:r>
-              <a:rPr lang="en-US" altLang="zh-CN" sz="4800" b="1" dirty="0">
-                <a:solidFill>
-                  <a:srgbClr val="002060"/>
+            <a:pPr marL="0" indent="0" algn="ctr">
+              <a:buNone/>
+            </a:pPr>
+            <a:r>
+              <a:rPr lang="zh-CN" altLang="zh-TW" sz="6400" b="1" dirty="0">
+                <a:solidFill>
+                  <a:srgbClr val="660033"/>
                 </a:solidFill>
                 <a:latin typeface="Microsoft JhengHei" panose="020B0604030504040204" pitchFamily="34" charset="-120"/>
                 <a:ea typeface="Microsoft JhengHei" panose="020B0604030504040204" pitchFamily="34" charset="-120"/>
               </a:rPr>
-              <a:t>【</a:t>
-            </a:r>
-            <a:r>
-              <a:rPr lang="zh-CN" altLang="en-US" sz="4800" b="1" dirty="0">
-                <a:solidFill>
-                  <a:srgbClr val="002060"/>
+              <a:t>與耶穌同死因死反得生</a:t>
+            </a:r>
+          </a:p>
+          <a:p>
+            <a:pPr marL="0" indent="0" algn="ctr">
+              <a:buNone/>
+            </a:pPr>
+            <a:r>
+              <a:rPr lang="zh-CN" altLang="zh-TW" sz="6400" b="1" dirty="0">
+                <a:solidFill>
+                  <a:srgbClr val="660033"/>
                 </a:solidFill>
                 <a:latin typeface="Microsoft JhengHei" panose="020B0604030504040204" pitchFamily="34" charset="-120"/>
                 <a:ea typeface="Microsoft JhengHei" panose="020B0604030504040204" pitchFamily="34" charset="-120"/>
               </a:rPr>
-              <a:t>時刻蒙恩</a:t>
-            </a:r>
-            <a:r>
-              <a:rPr lang="en-US" altLang="zh-CN" sz="4800" b="1" dirty="0">
-                <a:solidFill>
-                  <a:srgbClr val="002060"/>
-                </a:solidFill>
-                <a:latin typeface="Microsoft JhengHei" panose="020B0604030504040204" pitchFamily="34" charset="-120"/>
-                <a:ea typeface="Microsoft JhengHei" panose="020B0604030504040204" pitchFamily="34" charset="-120"/>
-              </a:rPr>
-              <a:t>】</a:t>
-            </a:r>
-          </a:p>
-        </p:txBody>
-      </p:sp>
-      <p:sp>
-        <p:nvSpPr>
-          <p:cNvPr id="5" name="Content Placeholder 4"/>
-          <p:cNvSpPr>
-            <a:spLocks noGrp="1"/>
-          </p:cNvSpPr>
-          <p:nvPr>
-            <p:ph idx="1"/>
-          </p:nvPr>
-        </p:nvSpPr>
-        <p:spPr/>
-        <p:txBody>
-          <a:bodyPr>
-            <a:normAutofit/>
-          </a:bodyPr>
-          <a:lstStyle/>
-          <a:p>
-            <a:pPr marL="0" indent="0" algn="ctr">
-              <a:buNone/>
-            </a:pPr>
-            <a:r>
-              <a:rPr lang="zh-CN" altLang="zh-TW" sz="5400" b="1" dirty="0">
-                <a:solidFill>
-                  <a:srgbClr val="002060"/>
-                </a:solidFill>
-                <a:latin typeface="Microsoft JhengHei" panose="020B0604030504040204" pitchFamily="34" charset="-120"/>
-                <a:ea typeface="Microsoft JhengHei" panose="020B0604030504040204" pitchFamily="34" charset="-120"/>
-              </a:rPr>
-              <a:t>每時每</a:t>
-            </a:r>
-            <a:r>
-              <a:rPr lang="zh-CN" altLang="zh-TW" sz="5400" b="1" dirty="0">
-                <a:solidFill>
-                  <a:srgbClr val="002060"/>
-                </a:solidFill>
-                <a:latin typeface="Microsoft JhengHei" panose="020B0604030504040204" pitchFamily="34" charset="-120"/>
-                <a:ea typeface="Microsoft JhengHei" panose="020B0604030504040204" pitchFamily="34" charset="-120"/>
-              </a:rPr>
-              <a:t>刻我</a:t>
-            </a:r>
-            <a:r>
-              <a:rPr lang="zh-TW" altLang="en-US" sz="5400" b="1" dirty="0">
-                <a:solidFill>
-                  <a:srgbClr val="002060"/>
-                </a:solidFill>
-                <a:latin typeface="Microsoft JhengHei" panose="020B0604030504040204" pitchFamily="34" charset="-120"/>
-                <a:ea typeface="Microsoft JhengHei" panose="020B0604030504040204" pitchFamily="34" charset="-120"/>
-                <a:sym typeface="+mn-ea"/>
-              </a:rPr>
-              <a:t>蒙</a:t>
-            </a:r>
-            <a:r>
-              <a:rPr lang="zh-CN" altLang="zh-TW" sz="5400" b="1" dirty="0">
-                <a:solidFill>
-                  <a:srgbClr val="002060"/>
-                </a:solidFill>
-                <a:latin typeface="Microsoft JhengHei" panose="020B0604030504040204" pitchFamily="34" charset="-120"/>
-                <a:ea typeface="Microsoft JhengHei" panose="020B0604030504040204" pitchFamily="34" charset="-120"/>
-                <a:sym typeface="+mn-ea"/>
-              </a:rPr>
-              <a:t>主愛保守</a:t>
-            </a:r>
-          </a:p>
-          <a:p>
-            <a:pPr marL="0" indent="0" algn="ctr">
-              <a:buNone/>
-            </a:pPr>
-            <a:r>
-              <a:rPr lang="zh-CN" altLang="zh-TW" sz="5400" b="1" dirty="0">
-                <a:solidFill>
-                  <a:srgbClr val="002060"/>
-                </a:solidFill>
-                <a:latin typeface="Microsoft JhengHei" panose="020B0604030504040204" pitchFamily="34" charset="-120"/>
-                <a:ea typeface="Microsoft JhengHei" panose="020B0604030504040204" pitchFamily="34" charset="-120"/>
-                <a:sym typeface="+mn-ea"/>
-              </a:rPr>
-              <a:t>每時每</a:t>
-            </a:r>
-            <a:r>
-              <a:rPr lang="zh-CN" altLang="zh-TW" sz="5400" b="1" dirty="0">
-                <a:solidFill>
-                  <a:srgbClr val="002060"/>
-                </a:solidFill>
-                <a:latin typeface="Microsoft JhengHei" panose="020B0604030504040204" pitchFamily="34" charset="-120"/>
-                <a:ea typeface="Microsoft JhengHei" panose="020B0604030504040204" pitchFamily="34" charset="-120"/>
-                <a:sym typeface="+mn-ea"/>
-              </a:rPr>
-              <a:t>刻生</a:t>
-            </a:r>
-            <a:r>
-              <a:rPr lang="zh-CN" altLang="zh-TW" sz="5400" b="1" dirty="0">
-                <a:solidFill>
-                  <a:srgbClr val="002060"/>
-                </a:solidFill>
-                <a:latin typeface="Microsoft JhengHei" panose="020B0604030504040204" pitchFamily="34" charset="-120"/>
-                <a:ea typeface="Microsoft JhengHei" panose="020B0604030504040204" pitchFamily="34" charset="-120"/>
-                <a:sym typeface="+mn-ea"/>
-              </a:rPr>
-              <a:t>命泉向我</a:t>
-            </a:r>
-            <a:r>
-              <a:rPr lang="zh-CN" altLang="zh-TW" sz="5400" b="1" dirty="0">
-                <a:solidFill>
-                  <a:srgbClr val="002060"/>
-                </a:solidFill>
-                <a:latin typeface="Microsoft JhengHei" panose="020B0604030504040204" pitchFamily="34" charset="-120"/>
-                <a:ea typeface="Microsoft JhengHei" panose="020B0604030504040204" pitchFamily="34" charset="-120"/>
-                <a:sym typeface="+mn-ea"/>
-              </a:rPr>
-              <a:t>流</a:t>
-            </a:r>
-            <a:endParaRPr lang="en-US" altLang="zh-CN" sz="5400" b="1" dirty="0">
+              <a:t>與耶穌同活因活恩日增</a:t>
+            </a:r>
+            <a:endParaRPr lang="en-US" altLang="zh-CN" sz="6400" b="1" dirty="0">
               <a:solidFill>
-                <a:srgbClr val="002060"/>
-              </a:solidFill>
-              <a:latin typeface="Microsoft JhengHei" panose="020B0604030504040204" pitchFamily="34" charset="-120"/>
-              <a:ea typeface="Microsoft JhengHei" panose="020B0604030504040204" pitchFamily="34" charset="-120"/>
-              <a:sym typeface="+mn-ea"/>
-            </a:endParaRPr>
-          </a:p>
-          <a:p>
-            <a:pPr marL="0" indent="0" algn="ctr">
-              <a:buNone/>
-            </a:pPr>
-            <a:r>
-              <a:rPr lang="zh-CN" altLang="zh-TW" sz="5400" b="1" dirty="0">
-                <a:solidFill>
-                  <a:srgbClr val="002060"/>
-                </a:solidFill>
-                <a:latin typeface="Microsoft JhengHei" panose="020B0604030504040204" pitchFamily="34" charset="-120"/>
-                <a:ea typeface="Microsoft JhengHei" panose="020B0604030504040204" pitchFamily="34" charset="-120"/>
-              </a:rPr>
-              <a:t>仰望主耶</a:t>
-            </a:r>
-            <a:r>
-              <a:rPr lang="zh-CN" altLang="zh-TW" sz="5400" b="1" dirty="0">
-                <a:solidFill>
-                  <a:srgbClr val="002060"/>
-                </a:solidFill>
-                <a:latin typeface="Microsoft JhengHei" panose="020B0604030504040204" pitchFamily="34" charset="-120"/>
-                <a:ea typeface="Microsoft JhengHei" panose="020B0604030504040204" pitchFamily="34" charset="-120"/>
-              </a:rPr>
-              <a:t>穌榮</a:t>
-            </a:r>
-            <a:r>
-              <a:rPr lang="zh-CN" altLang="zh-TW" sz="5400" b="1" dirty="0">
-                <a:solidFill>
-                  <a:srgbClr val="002060"/>
-                </a:solidFill>
-                <a:latin typeface="Microsoft JhengHei" panose="020B0604030504040204" pitchFamily="34" charset="-120"/>
-                <a:ea typeface="Microsoft JhengHei" panose="020B0604030504040204" pitchFamily="34" charset="-120"/>
-              </a:rPr>
-              <a:t>光就照臨</a:t>
-            </a:r>
-          </a:p>
-          <a:p>
-            <a:pPr marL="0" indent="0" algn="ctr">
-              <a:buNone/>
-            </a:pPr>
-            <a:r>
-              <a:rPr lang="zh-CN" altLang="zh-TW" sz="5400" b="1" dirty="0">
-                <a:solidFill>
-                  <a:srgbClr val="002060"/>
-                </a:solidFill>
-                <a:latin typeface="Microsoft JhengHei" panose="020B0604030504040204" pitchFamily="34" charset="-120"/>
-                <a:ea typeface="Microsoft JhengHei" panose="020B0604030504040204" pitchFamily="34" charset="-120"/>
-              </a:rPr>
-              <a:t>每時每</a:t>
-            </a:r>
-            <a:r>
-              <a:rPr lang="zh-CN" altLang="zh-TW" sz="5400" b="1" dirty="0">
-                <a:solidFill>
-                  <a:srgbClr val="002060"/>
-                </a:solidFill>
-                <a:latin typeface="Microsoft JhengHei" panose="020B0604030504040204" pitchFamily="34" charset="-120"/>
-                <a:ea typeface="Microsoft JhengHei" panose="020B0604030504040204" pitchFamily="34" charset="-120"/>
-              </a:rPr>
-              <a:t>刻我</a:t>
-            </a:r>
-            <a:r>
-              <a:rPr lang="zh-CN" altLang="zh-TW" sz="5400" b="1" dirty="0">
-                <a:solidFill>
-                  <a:srgbClr val="002060"/>
-                </a:solidFill>
-                <a:latin typeface="Microsoft JhengHei" panose="020B0604030504040204" pitchFamily="34" charset="-120"/>
-                <a:ea typeface="Microsoft JhengHei" panose="020B0604030504040204" pitchFamily="34" charset="-120"/>
-              </a:rPr>
-              <a:t>為救主子</a:t>
-            </a:r>
-            <a:r>
-              <a:rPr lang="zh-CN" altLang="zh-TW" sz="5400" b="1" dirty="0">
-                <a:solidFill>
-                  <a:srgbClr val="002060"/>
-                </a:solidFill>
-                <a:latin typeface="Microsoft JhengHei" panose="020B0604030504040204" pitchFamily="34" charset="-120"/>
-                <a:ea typeface="Microsoft JhengHei" panose="020B0604030504040204" pitchFamily="34" charset="-120"/>
-              </a:rPr>
-              <a:t>民</a:t>
-            </a:r>
-            <a:endParaRPr lang="zh-CN" altLang="zh-TW" sz="5400" b="1" dirty="0">
-              <a:solidFill>
-                <a:srgbClr val="002060"/>
+                <a:srgbClr val="660033"/>
               </a:solidFill>
               <a:latin typeface="Microsoft JhengHei" panose="020B0604030504040204" pitchFamily="34" charset="-120"/>
               <a:ea typeface="Microsoft JhengHei" panose="020B0604030504040204" pitchFamily="34" charset="-120"/>
@@ -4315,10 +4911,48 @@
           </a:p>
         </p:txBody>
       </p:sp>
+      <p:sp>
+        <p:nvSpPr>
+          <p:cNvPr id="3" name="TextBox 2"/>
+          <p:cNvSpPr txBox="1"/>
+          <p:nvPr/>
+        </p:nvSpPr>
+        <p:spPr>
+          <a:xfrm>
+            <a:off x="623392" y="2276872"/>
+            <a:ext cx="1248139" cy="1077218"/>
+          </a:xfrm>
+          <a:prstGeom prst="rect">
+            <a:avLst/>
+          </a:prstGeom>
+          <a:noFill/>
+        </p:spPr>
+        <p:txBody>
+          <a:bodyPr wrap="square" rtlCol="0">
+            <a:spAutoFit/>
+          </a:bodyPr>
+          <a:lstStyle/>
+          <a:p>
+            <a:r>
+              <a:rPr lang="en-US" sz="6400" b="1" dirty="0">
+                <a:solidFill>
+                  <a:srgbClr val="660033"/>
+                </a:solidFill>
+              </a:rPr>
+              <a:t>1.</a:t>
+            </a:r>
+            <a:endParaRPr lang="vi-VN" sz="6400" b="1" dirty="0">
+              <a:solidFill>
+                <a:srgbClr val="660033"/>
+              </a:solidFill>
+            </a:endParaRPr>
+          </a:p>
+        </p:txBody>
+      </p:sp>
     </p:spTree>
     <p:extLst>
       <p:ext uri="{BB962C8B-B14F-4D97-AF65-F5344CB8AC3E}">
-        <p14:creationId xmlns:p14="http://schemas.microsoft.com/office/powerpoint/2010/main" val="243823087"/>
+        <p14:creationId xmlns:p14="http://schemas.microsoft.com/office/powerpoint/2010/main" val="2341997998"/>
       </p:ext>
     </p:extLst>
   </p:cSld>
@@ -4347,292 +4981,119 @@
       </p:grpSpPr>
       <p:sp>
         <p:nvSpPr>
-          <p:cNvPr id="4" name="Title 3"/>
-          <p:cNvSpPr>
-            <a:spLocks noGrp="1"/>
-          </p:cNvSpPr>
-          <p:nvPr>
-            <p:ph type="title"/>
-          </p:nvPr>
-        </p:nvSpPr>
-        <p:spPr/>
-        <p:txBody>
-          <a:bodyPr>
+          <p:cNvPr id="5" name="內容版面配置區 4"/>
+          <p:cNvSpPr>
+            <a:spLocks noGrp="1"/>
+          </p:cNvSpPr>
+          <p:nvPr>
+            <p:ph idx="1"/>
+          </p:nvPr>
+        </p:nvSpPr>
+        <p:spPr>
+          <a:xfrm>
+            <a:off x="0" y="2084851"/>
+            <a:ext cx="12192000" cy="2404863"/>
+          </a:xfrm>
+        </p:spPr>
+        <p:txBody>
+          <a:bodyPr anchor="ctr">
             <a:normAutofit/>
           </a:bodyPr>
           <a:lstStyle/>
           <a:p>
-            <a:r>
-              <a:rPr lang="en-US" altLang="zh-CN" sz="4800" b="1" dirty="0">
-                <a:solidFill>
-                  <a:srgbClr val="002060"/>
+            <a:pPr marL="0" indent="0" algn="ctr">
+              <a:buNone/>
+            </a:pPr>
+            <a:r>
+              <a:rPr lang="zh-CN" altLang="zh-TW" sz="6400" b="1" dirty="0">
+                <a:solidFill>
+                  <a:srgbClr val="660033"/>
                 </a:solidFill>
                 <a:latin typeface="Microsoft JhengHei" panose="020B0604030504040204" pitchFamily="34" charset="-120"/>
                 <a:ea typeface="Microsoft JhengHei" panose="020B0604030504040204" pitchFamily="34" charset="-120"/>
               </a:rPr>
-              <a:t>【</a:t>
-            </a:r>
-            <a:r>
-              <a:rPr lang="zh-CN" altLang="en-US" sz="4800" b="1" dirty="0">
-                <a:solidFill>
-                  <a:srgbClr val="002060"/>
+              <a:t>仰望我恩主榮光必照臨</a:t>
+            </a:r>
+          </a:p>
+          <a:p>
+            <a:pPr marL="0" indent="0" algn="ctr">
+              <a:buNone/>
+            </a:pPr>
+            <a:r>
+              <a:rPr lang="zh-CN" altLang="zh-TW" sz="6400" b="1" dirty="0">
+                <a:solidFill>
+                  <a:srgbClr val="660033"/>
                 </a:solidFill>
                 <a:latin typeface="Microsoft JhengHei" panose="020B0604030504040204" pitchFamily="34" charset="-120"/>
                 <a:ea typeface="Microsoft JhengHei" panose="020B0604030504040204" pitchFamily="34" charset="-120"/>
               </a:rPr>
-              <a:t>時刻蒙恩</a:t>
-            </a:r>
-            <a:r>
-              <a:rPr lang="en-US" altLang="zh-CN" sz="4800" b="1" dirty="0">
-                <a:solidFill>
-                  <a:srgbClr val="002060"/>
+              <a:t>每時每刻我都</a:t>
+            </a:r>
+            <a:r>
+              <a:rPr lang="zh-TW" altLang="en-US" sz="6400" b="1" dirty="0">
+                <a:solidFill>
+                  <a:srgbClr val="660033"/>
                 </a:solidFill>
                 <a:latin typeface="Microsoft JhengHei" panose="020B0604030504040204" pitchFamily="34" charset="-120"/>
                 <a:ea typeface="Microsoft JhengHei" panose="020B0604030504040204" pitchFamily="34" charset="-120"/>
+                <a:sym typeface="+mn-ea"/>
               </a:rPr>
-              <a:t>】</a:t>
-            </a:r>
-          </a:p>
-        </p:txBody>
-      </p:sp>
-      <p:sp>
-        <p:nvSpPr>
-          <p:cNvPr id="5" name="Content Placeholder 4"/>
-          <p:cNvSpPr>
-            <a:spLocks noGrp="1"/>
-          </p:cNvSpPr>
-          <p:nvPr>
-            <p:ph idx="1"/>
-          </p:nvPr>
-        </p:nvSpPr>
-        <p:spPr/>
-        <p:txBody>
-          <a:bodyPr>
-            <a:normAutofit/>
-          </a:bodyPr>
-          <a:lstStyle/>
-          <a:p>
-            <a:pPr marL="0" indent="0" algn="ctr">
-              <a:buNone/>
-            </a:pPr>
-            <a:r>
-              <a:rPr lang="zh-CN" altLang="zh-TW" sz="5400" b="1" dirty="0">
-                <a:solidFill>
-                  <a:srgbClr val="002060"/>
+              <a:t>蒙</a:t>
+            </a:r>
+            <a:r>
+              <a:rPr lang="zh-CN" altLang="zh-TW" sz="6400" b="1" dirty="0">
+                <a:solidFill>
+                  <a:srgbClr val="660033"/>
                 </a:solidFill>
                 <a:latin typeface="Microsoft JhengHei" panose="020B0604030504040204" pitchFamily="34" charset="-120"/>
                 <a:ea typeface="Microsoft JhengHei" panose="020B0604030504040204" pitchFamily="34" charset="-120"/>
+                <a:sym typeface="+mn-ea"/>
               </a:rPr>
-              <a:t>無有一試</a:t>
-            </a:r>
-            <a:r>
-              <a:rPr lang="zh-CN" altLang="zh-TW" sz="5400" b="1" dirty="0">
-                <a:solidFill>
-                  <a:srgbClr val="002060"/>
-                </a:solidFill>
-                <a:latin typeface="Microsoft JhengHei" panose="020B0604030504040204" pitchFamily="34" charset="-120"/>
-                <a:ea typeface="Microsoft JhengHei" panose="020B0604030504040204" pitchFamily="34" charset="-120"/>
-              </a:rPr>
-              <a:t>探我</a:t>
-            </a:r>
-            <a:r>
-              <a:rPr lang="zh-CN" altLang="zh-TW" sz="5400" b="1" dirty="0">
-                <a:solidFill>
-                  <a:srgbClr val="002060"/>
-                </a:solidFill>
-                <a:latin typeface="Microsoft JhengHei" panose="020B0604030504040204" pitchFamily="34" charset="-120"/>
-                <a:ea typeface="Microsoft JhengHei" panose="020B0604030504040204" pitchFamily="34" charset="-120"/>
-              </a:rPr>
-              <a:t>主不開路</a:t>
-            </a:r>
-          </a:p>
-          <a:p>
-            <a:pPr marL="0" indent="0" algn="ctr">
-              <a:buNone/>
-            </a:pPr>
-            <a:r>
-              <a:rPr lang="zh-CN" altLang="zh-TW" sz="5400" b="1" dirty="0">
-                <a:solidFill>
-                  <a:srgbClr val="002060"/>
-                </a:solidFill>
-                <a:latin typeface="Microsoft JhengHei" panose="020B0604030504040204" pitchFamily="34" charset="-120"/>
-                <a:ea typeface="Microsoft JhengHei" panose="020B0604030504040204" pitchFamily="34" charset="-120"/>
-              </a:rPr>
-              <a:t>無有一重</a:t>
-            </a:r>
-            <a:r>
-              <a:rPr lang="zh-CN" altLang="zh-TW" sz="5400" b="1" dirty="0">
-                <a:solidFill>
-                  <a:srgbClr val="002060"/>
-                </a:solidFill>
-                <a:latin typeface="Microsoft JhengHei" panose="020B0604030504040204" pitchFamily="34" charset="-120"/>
-                <a:ea typeface="Microsoft JhengHei" panose="020B0604030504040204" pitchFamily="34" charset="-120"/>
-              </a:rPr>
-              <a:t>擔我</a:t>
-            </a:r>
-            <a:r>
-              <a:rPr lang="zh-CN" altLang="zh-TW" sz="5400" b="1" dirty="0">
-                <a:solidFill>
-                  <a:srgbClr val="002060"/>
-                </a:solidFill>
-                <a:latin typeface="Microsoft JhengHei" panose="020B0604030504040204" pitchFamily="34" charset="-120"/>
-                <a:ea typeface="Microsoft JhengHei" panose="020B0604030504040204" pitchFamily="34" charset="-120"/>
-              </a:rPr>
-              <a:t>主不擔</a:t>
-            </a:r>
-            <a:r>
-              <a:rPr lang="zh-CN" altLang="zh-TW" sz="5400" b="1" dirty="0">
-                <a:solidFill>
-                  <a:srgbClr val="002060"/>
-                </a:solidFill>
-                <a:latin typeface="Microsoft JhengHei" panose="020B0604030504040204" pitchFamily="34" charset="-120"/>
-                <a:ea typeface="Microsoft JhengHei" panose="020B0604030504040204" pitchFamily="34" charset="-120"/>
-              </a:rPr>
-              <a:t>當</a:t>
-            </a:r>
-            <a:endParaRPr lang="en-US" altLang="zh-CN" sz="5400" b="1" dirty="0">
+              <a:t>主鴻恩</a:t>
+            </a:r>
+            <a:endParaRPr lang="en-US" altLang="zh-CN" sz="6400" b="1" dirty="0">
               <a:solidFill>
-                <a:srgbClr val="002060"/>
+                <a:srgbClr val="660033"/>
               </a:solidFill>
               <a:latin typeface="Microsoft JhengHei" panose="020B0604030504040204" pitchFamily="34" charset="-120"/>
               <a:ea typeface="Microsoft JhengHei" panose="020B0604030504040204" pitchFamily="34" charset="-120"/>
             </a:endParaRPr>
           </a:p>
-          <a:p>
-            <a:pPr marL="0" indent="0" algn="ctr">
-              <a:buNone/>
-            </a:pPr>
-            <a:r>
-              <a:rPr lang="zh-CN" altLang="zh-TW" sz="5400" b="1" dirty="0">
-                <a:solidFill>
-                  <a:srgbClr val="002060"/>
-                </a:solidFill>
-                <a:latin typeface="Microsoft JhengHei" panose="020B0604030504040204" pitchFamily="34" charset="-120"/>
-                <a:ea typeface="Microsoft JhengHei" panose="020B0604030504040204" pitchFamily="34" charset="-120"/>
-              </a:rPr>
-              <a:t>無有一憂</a:t>
-            </a:r>
-            <a:r>
-              <a:rPr lang="zh-CN" altLang="zh-TW" sz="5400" b="1" dirty="0">
-                <a:solidFill>
-                  <a:srgbClr val="002060"/>
-                </a:solidFill>
-                <a:latin typeface="Microsoft JhengHei" panose="020B0604030504040204" pitchFamily="34" charset="-120"/>
-                <a:ea typeface="Microsoft JhengHei" panose="020B0604030504040204" pitchFamily="34" charset="-120"/>
-              </a:rPr>
-              <a:t>慮我</a:t>
-            </a:r>
-            <a:r>
-              <a:rPr lang="zh-CN" altLang="zh-TW" sz="5400" b="1" dirty="0">
-                <a:solidFill>
-                  <a:srgbClr val="002060"/>
-                </a:solidFill>
-                <a:latin typeface="Microsoft JhengHei" panose="020B0604030504040204" pitchFamily="34" charset="-120"/>
-                <a:ea typeface="Microsoft JhengHei" panose="020B0604030504040204" pitchFamily="34" charset="-120"/>
-              </a:rPr>
-              <a:t>主不與分</a:t>
-            </a:r>
-          </a:p>
-          <a:p>
-            <a:pPr marL="0" indent="0" algn="ctr">
-              <a:buNone/>
-            </a:pPr>
-            <a:r>
-              <a:rPr lang="zh-CN" altLang="zh-TW" sz="5400" b="1" dirty="0">
-                <a:solidFill>
-                  <a:srgbClr val="002060"/>
-                </a:solidFill>
-                <a:latin typeface="Microsoft JhengHei" panose="020B0604030504040204" pitchFamily="34" charset="-120"/>
-                <a:ea typeface="Microsoft JhengHei" panose="020B0604030504040204" pitchFamily="34" charset="-120"/>
-              </a:rPr>
-              <a:t>每時每</a:t>
-            </a:r>
-            <a:r>
-              <a:rPr lang="zh-CN" altLang="zh-TW" sz="5400" b="1" dirty="0">
-                <a:solidFill>
-                  <a:srgbClr val="002060"/>
-                </a:solidFill>
-                <a:latin typeface="Microsoft JhengHei" panose="020B0604030504040204" pitchFamily="34" charset="-120"/>
-                <a:ea typeface="Microsoft JhengHei" panose="020B0604030504040204" pitchFamily="34" charset="-120"/>
-              </a:rPr>
-              <a:t>刻我</a:t>
-            </a:r>
-            <a:r>
-              <a:rPr lang="zh-CN" altLang="zh-TW" sz="5400" b="1" dirty="0">
-                <a:solidFill>
-                  <a:srgbClr val="002060"/>
-                </a:solidFill>
-                <a:latin typeface="Microsoft JhengHei" panose="020B0604030504040204" pitchFamily="34" charset="-120"/>
-                <a:ea typeface="Microsoft JhengHei" panose="020B0604030504040204" pitchFamily="34" charset="-120"/>
-              </a:rPr>
-              <a:t>都得主鴻</a:t>
-            </a:r>
-            <a:r>
-              <a:rPr lang="zh-CN" altLang="zh-TW" sz="5400" b="1" dirty="0">
-                <a:solidFill>
-                  <a:srgbClr val="002060"/>
-                </a:solidFill>
-                <a:latin typeface="Microsoft JhengHei" panose="020B0604030504040204" pitchFamily="34" charset="-120"/>
-                <a:ea typeface="Microsoft JhengHei" panose="020B0604030504040204" pitchFamily="34" charset="-120"/>
-              </a:rPr>
-              <a:t>恩</a:t>
-            </a:r>
-            <a:endParaRPr lang="zh-CN" altLang="zh-TW" sz="5400" b="1" dirty="0">
-              <a:solidFill>
-                <a:srgbClr val="002060"/>
-              </a:solidFill>
-              <a:latin typeface="Microsoft JhengHei" panose="020B0604030504040204" pitchFamily="34" charset="-120"/>
-              <a:ea typeface="Microsoft JhengHei" panose="020B0604030504040204" pitchFamily="34" charset="-120"/>
-            </a:endParaRPr>
-          </a:p>
-        </p:txBody>
-      </p:sp>
-      <p:sp>
-        <p:nvSpPr>
-          <p:cNvPr id="7" name="Text Box 1"/>
+        </p:txBody>
+      </p:sp>
+      <p:sp>
+        <p:nvSpPr>
+          <p:cNvPr id="3" name="TextBox 2"/>
           <p:cNvSpPr txBox="1"/>
           <p:nvPr/>
         </p:nvSpPr>
         <p:spPr>
           <a:xfrm>
-            <a:off x="911424" y="1619645"/>
-            <a:ext cx="1380490" cy="923330"/>
+            <a:off x="623392" y="2276872"/>
+            <a:ext cx="1248139" cy="1077218"/>
           </a:xfrm>
           <a:prstGeom prst="rect">
             <a:avLst/>
           </a:prstGeom>
           <a:noFill/>
-          <a:ln w="9525">
-            <a:noFill/>
-            <a:miter lim="800000"/>
-          </a:ln>
         </p:spPr>
         <p:txBody>
-          <a:bodyPr wrap="square">
+          <a:bodyPr wrap="square" rtlCol="0">
             <a:spAutoFit/>
           </a:bodyPr>
           <a:lstStyle/>
           <a:p>
-            <a:pPr algn="ctr"/>
-            <a:r>
-              <a:rPr lang="en-US" sz="5400" b="1" dirty="0">
-                <a:solidFill>
-                  <a:srgbClr val="002060"/>
+            <a:r>
+              <a:rPr lang="en-US" sz="6400" b="1" dirty="0">
+                <a:solidFill>
+                  <a:srgbClr val="660033"/>
                 </a:solidFill>
               </a:rPr>
-              <a:t>2</a:t>
-            </a:r>
-            <a:r>
-              <a:rPr lang="en-US" sz="5400" b="1" dirty="0" smtClean="0">
-                <a:solidFill>
-                  <a:srgbClr val="002060"/>
-                </a:solidFill>
-              </a:rPr>
-              <a:t>.</a:t>
-            </a:r>
-            <a:endParaRPr lang="en-US" sz="5400" b="1" dirty="0">
+              <a:t>1.</a:t>
+            </a:r>
+            <a:endParaRPr lang="vi-VN" sz="6400" b="1" dirty="0">
               <a:solidFill>
-                <a:srgbClr val="002060"/>
+                <a:srgbClr val="660033"/>
               </a:solidFill>
             </a:endParaRPr>
           </a:p>
@@ -4641,7 +5102,7 @@
     </p:spTree>
     <p:extLst>
       <p:ext uri="{BB962C8B-B14F-4D97-AF65-F5344CB8AC3E}">
-        <p14:creationId xmlns:p14="http://schemas.microsoft.com/office/powerpoint/2010/main" val="317156452"/>
+        <p14:creationId xmlns:p14="http://schemas.microsoft.com/office/powerpoint/2010/main" val="1471063175"/>
       </p:ext>
     </p:extLst>
   </p:cSld>
@@ -4670,98 +5131,43 @@
       </p:grpSpPr>
       <p:sp>
         <p:nvSpPr>
-          <p:cNvPr id="4" name="Title 3"/>
-          <p:cNvSpPr>
-            <a:spLocks noGrp="1"/>
-          </p:cNvSpPr>
-          <p:nvPr>
-            <p:ph type="title"/>
-          </p:nvPr>
-        </p:nvSpPr>
-        <p:spPr/>
-        <p:txBody>
-          <a:bodyPr>
+          <p:cNvPr id="5" name="內容版面配置區 4"/>
+          <p:cNvSpPr>
+            <a:spLocks noGrp="1"/>
+          </p:cNvSpPr>
+          <p:nvPr>
+            <p:ph idx="1"/>
+          </p:nvPr>
+        </p:nvSpPr>
+        <p:spPr>
+          <a:xfrm>
+            <a:off x="0" y="2084851"/>
+            <a:ext cx="12192000" cy="2404863"/>
+          </a:xfrm>
+        </p:spPr>
+        <p:txBody>
+          <a:bodyPr anchor="ctr">
             <a:normAutofit/>
           </a:bodyPr>
           <a:lstStyle/>
           <a:p>
-            <a:r>
-              <a:rPr lang="en-US" altLang="zh-CN" sz="4800" b="1" dirty="0">
-                <a:solidFill>
-                  <a:srgbClr val="002060"/>
+            <a:pPr marL="0" indent="0" algn="ctr">
+              <a:buNone/>
+            </a:pPr>
+            <a:r>
+              <a:rPr lang="zh-CN" altLang="zh-TW" sz="6400" b="1" dirty="0">
+                <a:solidFill>
+                  <a:srgbClr val="660033"/>
                 </a:solidFill>
                 <a:latin typeface="Microsoft JhengHei" panose="020B0604030504040204" pitchFamily="34" charset="-120"/>
                 <a:ea typeface="Microsoft JhengHei" panose="020B0604030504040204" pitchFamily="34" charset="-120"/>
               </a:rPr>
-              <a:t>【</a:t>
-            </a:r>
-            <a:r>
-              <a:rPr lang="zh-CN" altLang="en-US" sz="4800" b="1" dirty="0">
-                <a:solidFill>
-                  <a:srgbClr val="002060"/>
-                </a:solidFill>
-                <a:latin typeface="Microsoft JhengHei" panose="020B0604030504040204" pitchFamily="34" charset="-120"/>
-                <a:ea typeface="Microsoft JhengHei" panose="020B0604030504040204" pitchFamily="34" charset="-120"/>
-              </a:rPr>
-              <a:t>時刻蒙恩</a:t>
-            </a:r>
-            <a:r>
-              <a:rPr lang="en-US" altLang="zh-CN" sz="4800" b="1" dirty="0">
-                <a:solidFill>
-                  <a:srgbClr val="002060"/>
-                </a:solidFill>
-                <a:latin typeface="Microsoft JhengHei" panose="020B0604030504040204" pitchFamily="34" charset="-120"/>
-                <a:ea typeface="Microsoft JhengHei" panose="020B0604030504040204" pitchFamily="34" charset="-120"/>
-              </a:rPr>
-              <a:t>】</a:t>
-            </a:r>
-          </a:p>
-        </p:txBody>
-      </p:sp>
-      <p:sp>
-        <p:nvSpPr>
-          <p:cNvPr id="5" name="Content Placeholder 4"/>
-          <p:cNvSpPr>
-            <a:spLocks noGrp="1"/>
-          </p:cNvSpPr>
-          <p:nvPr>
-            <p:ph idx="1"/>
-          </p:nvPr>
-        </p:nvSpPr>
-        <p:spPr/>
-        <p:txBody>
-          <a:bodyPr>
-            <a:normAutofit/>
-          </a:bodyPr>
-          <a:lstStyle/>
-          <a:p>
-            <a:pPr marL="0" indent="0" algn="ctr">
-              <a:buNone/>
-            </a:pPr>
-            <a:r>
-              <a:rPr lang="zh-CN" altLang="zh-TW" sz="5400" b="1" dirty="0">
-                <a:solidFill>
-                  <a:srgbClr val="002060"/>
-                </a:solidFill>
-                <a:latin typeface="Microsoft JhengHei" panose="020B0604030504040204" pitchFamily="34" charset="-120"/>
-                <a:ea typeface="Microsoft JhengHei" panose="020B0604030504040204" pitchFamily="34" charset="-120"/>
-              </a:rPr>
-              <a:t>每時每</a:t>
-            </a:r>
-            <a:r>
-              <a:rPr lang="zh-CN" altLang="zh-TW" sz="5400" b="1" dirty="0">
-                <a:solidFill>
-                  <a:srgbClr val="002060"/>
-                </a:solidFill>
-                <a:latin typeface="Microsoft JhengHei" panose="020B0604030504040204" pitchFamily="34" charset="-120"/>
-                <a:ea typeface="Microsoft JhengHei" panose="020B0604030504040204" pitchFamily="34" charset="-120"/>
-              </a:rPr>
-              <a:t>刻我</a:t>
-            </a:r>
-            <a:r>
-              <a:rPr lang="zh-TW" altLang="en-US" sz="5400" b="1" dirty="0">
-                <a:solidFill>
-                  <a:srgbClr val="002060"/>
+              <a:t>每時每刻我</a:t>
+            </a:r>
+            <a:r>
+              <a:rPr lang="zh-TW" altLang="en-US" sz="6400" b="1" dirty="0">
+                <a:solidFill>
+                  <a:srgbClr val="660033"/>
                 </a:solidFill>
                 <a:latin typeface="Microsoft JhengHei" panose="020B0604030504040204" pitchFamily="34" charset="-120"/>
                 <a:ea typeface="Microsoft JhengHei" panose="020B0604030504040204" pitchFamily="34" charset="-120"/>
@@ -4770,9 +5176,9 @@
               <a:t>蒙</a:t>
             </a:r>
             <a:r>
-              <a:rPr lang="zh-CN" altLang="zh-TW" sz="5400" b="1" dirty="0">
-                <a:solidFill>
-                  <a:srgbClr val="002060"/>
+              <a:rPr lang="zh-CN" altLang="zh-TW" sz="6400" b="1" dirty="0">
+                <a:solidFill>
+                  <a:srgbClr val="660033"/>
                 </a:solidFill>
                 <a:latin typeface="Microsoft JhengHei" panose="020B0604030504040204" pitchFamily="34" charset="-120"/>
                 <a:ea typeface="Microsoft JhengHei" panose="020B0604030504040204" pitchFamily="34" charset="-120"/>
@@ -4786,151 +5192,31 @@
               <a:buNone/>
             </a:pPr>
             <a:r>
-              <a:rPr lang="zh-CN" altLang="zh-TW" sz="5400" b="1" dirty="0">
-                <a:solidFill>
-                  <a:srgbClr val="002060"/>
+              <a:rPr lang="zh-CN" altLang="zh-TW" sz="6400" b="1" dirty="0">
+                <a:solidFill>
+                  <a:srgbClr val="660033"/>
                 </a:solidFill>
                 <a:latin typeface="Microsoft JhengHei" panose="020B0604030504040204" pitchFamily="34" charset="-120"/>
                 <a:ea typeface="Microsoft JhengHei" panose="020B0604030504040204" pitchFamily="34" charset="-120"/>
                 <a:sym typeface="+mn-ea"/>
               </a:rPr>
-              <a:t>每時每</a:t>
-            </a:r>
-            <a:r>
-              <a:rPr lang="zh-CN" altLang="zh-TW" sz="5400" b="1" dirty="0">
-                <a:solidFill>
-                  <a:srgbClr val="002060"/>
-                </a:solidFill>
-                <a:latin typeface="Microsoft JhengHei" panose="020B0604030504040204" pitchFamily="34" charset="-120"/>
-                <a:ea typeface="Microsoft JhengHei" panose="020B0604030504040204" pitchFamily="34" charset="-120"/>
-                <a:sym typeface="+mn-ea"/>
-              </a:rPr>
-              <a:t>刻生</a:t>
-            </a:r>
-            <a:r>
-              <a:rPr lang="zh-CN" altLang="zh-TW" sz="5400" b="1" dirty="0">
-                <a:solidFill>
-                  <a:srgbClr val="002060"/>
-                </a:solidFill>
-                <a:latin typeface="Microsoft JhengHei" panose="020B0604030504040204" pitchFamily="34" charset="-120"/>
-                <a:ea typeface="Microsoft JhengHei" panose="020B0604030504040204" pitchFamily="34" charset="-120"/>
-                <a:sym typeface="+mn-ea"/>
-              </a:rPr>
-              <a:t>命泉向我</a:t>
-            </a:r>
-            <a:r>
-              <a:rPr lang="zh-CN" altLang="zh-TW" sz="5400" b="1" dirty="0">
-                <a:solidFill>
-                  <a:srgbClr val="002060"/>
-                </a:solidFill>
-                <a:latin typeface="Microsoft JhengHei" panose="020B0604030504040204" pitchFamily="34" charset="-120"/>
-                <a:ea typeface="Microsoft JhengHei" panose="020B0604030504040204" pitchFamily="34" charset="-120"/>
-                <a:sym typeface="+mn-ea"/>
-              </a:rPr>
-              <a:t>流</a:t>
-            </a:r>
-            <a:endParaRPr lang="en-US" altLang="zh-CN" sz="5400" b="1" dirty="0">
+              <a:t>每時每刻生命泉向我流</a:t>
+            </a:r>
+            <a:endParaRPr lang="en-US" altLang="zh-CN" sz="6400" b="1" dirty="0">
               <a:solidFill>
-                <a:srgbClr val="002060"/>
+                <a:srgbClr val="660033"/>
               </a:solidFill>
               <a:latin typeface="Microsoft JhengHei" panose="020B0604030504040204" pitchFamily="34" charset="-120"/>
               <a:ea typeface="Microsoft JhengHei" panose="020B0604030504040204" pitchFamily="34" charset="-120"/>
               <a:sym typeface="+mn-ea"/>
             </a:endParaRPr>
           </a:p>
-          <a:p>
-            <a:pPr marL="0" indent="0" algn="ctr">
-              <a:buNone/>
-            </a:pPr>
-            <a:r>
-              <a:rPr lang="zh-CN" altLang="zh-TW" sz="5400" b="1" dirty="0">
-                <a:solidFill>
-                  <a:srgbClr val="002060"/>
-                </a:solidFill>
-                <a:latin typeface="Microsoft JhengHei" panose="020B0604030504040204" pitchFamily="34" charset="-120"/>
-                <a:ea typeface="Microsoft JhengHei" panose="020B0604030504040204" pitchFamily="34" charset="-120"/>
-              </a:rPr>
-              <a:t>仰望主耶</a:t>
-            </a:r>
-            <a:r>
-              <a:rPr lang="zh-CN" altLang="zh-TW" sz="5400" b="1" dirty="0">
-                <a:solidFill>
-                  <a:srgbClr val="002060"/>
-                </a:solidFill>
-                <a:latin typeface="Microsoft JhengHei" panose="020B0604030504040204" pitchFamily="34" charset="-120"/>
-                <a:ea typeface="Microsoft JhengHei" panose="020B0604030504040204" pitchFamily="34" charset="-120"/>
-              </a:rPr>
-              <a:t>穌榮</a:t>
-            </a:r>
-            <a:r>
-              <a:rPr lang="zh-CN" altLang="zh-TW" sz="5400" b="1" dirty="0">
-                <a:solidFill>
-                  <a:srgbClr val="002060"/>
-                </a:solidFill>
-                <a:latin typeface="Microsoft JhengHei" panose="020B0604030504040204" pitchFamily="34" charset="-120"/>
-                <a:ea typeface="Microsoft JhengHei" panose="020B0604030504040204" pitchFamily="34" charset="-120"/>
-              </a:rPr>
-              <a:t>光就照臨</a:t>
-            </a:r>
-          </a:p>
-          <a:p>
-            <a:pPr marL="0" indent="0" algn="ctr">
-              <a:buNone/>
-            </a:pPr>
-            <a:r>
-              <a:rPr lang="zh-CN" altLang="zh-TW" sz="5400" b="1" dirty="0">
-                <a:solidFill>
-                  <a:srgbClr val="002060"/>
-                </a:solidFill>
-                <a:latin typeface="Microsoft JhengHei" panose="020B0604030504040204" pitchFamily="34" charset="-120"/>
-                <a:ea typeface="Microsoft JhengHei" panose="020B0604030504040204" pitchFamily="34" charset="-120"/>
-              </a:rPr>
-              <a:t>每時每</a:t>
-            </a:r>
-            <a:r>
-              <a:rPr lang="zh-CN" altLang="zh-TW" sz="5400" b="1" dirty="0">
-                <a:solidFill>
-                  <a:srgbClr val="002060"/>
-                </a:solidFill>
-                <a:latin typeface="Microsoft JhengHei" panose="020B0604030504040204" pitchFamily="34" charset="-120"/>
-                <a:ea typeface="Microsoft JhengHei" panose="020B0604030504040204" pitchFamily="34" charset="-120"/>
-              </a:rPr>
-              <a:t>刻我</a:t>
-            </a:r>
-            <a:r>
-              <a:rPr lang="zh-CN" altLang="zh-TW" sz="5400" b="1" dirty="0">
-                <a:solidFill>
-                  <a:srgbClr val="002060"/>
-                </a:solidFill>
-                <a:latin typeface="Microsoft JhengHei" panose="020B0604030504040204" pitchFamily="34" charset="-120"/>
-                <a:ea typeface="Microsoft JhengHei" panose="020B0604030504040204" pitchFamily="34" charset="-120"/>
-              </a:rPr>
-              <a:t>為救主子</a:t>
-            </a:r>
-            <a:r>
-              <a:rPr lang="zh-CN" altLang="zh-TW" sz="5400" b="1" dirty="0">
-                <a:solidFill>
-                  <a:srgbClr val="002060"/>
-                </a:solidFill>
-                <a:latin typeface="Microsoft JhengHei" panose="020B0604030504040204" pitchFamily="34" charset="-120"/>
-                <a:ea typeface="Microsoft JhengHei" panose="020B0604030504040204" pitchFamily="34" charset="-120"/>
-              </a:rPr>
-              <a:t>民</a:t>
-            </a:r>
-            <a:endParaRPr lang="zh-CN" altLang="zh-TW" sz="5400" b="1" dirty="0">
-              <a:solidFill>
-                <a:srgbClr val="002060"/>
-              </a:solidFill>
-              <a:latin typeface="Microsoft JhengHei" panose="020B0604030504040204" pitchFamily="34" charset="-120"/>
-              <a:ea typeface="Microsoft JhengHei" panose="020B0604030504040204" pitchFamily="34" charset="-120"/>
-            </a:endParaRPr>
-          </a:p>
         </p:txBody>
       </p:sp>
     </p:spTree>
     <p:extLst>
       <p:ext uri="{BB962C8B-B14F-4D97-AF65-F5344CB8AC3E}">
-        <p14:creationId xmlns:p14="http://schemas.microsoft.com/office/powerpoint/2010/main" val="2515146929"/>
+        <p14:creationId xmlns:p14="http://schemas.microsoft.com/office/powerpoint/2010/main" val="1589500892"/>
       </p:ext>
     </p:extLst>
   </p:cSld>
@@ -4959,325 +5245,68 @@
       </p:grpSpPr>
       <p:sp>
         <p:nvSpPr>
-          <p:cNvPr id="4" name="Title 3"/>
-          <p:cNvSpPr>
-            <a:spLocks noGrp="1"/>
-          </p:cNvSpPr>
-          <p:nvPr>
-            <p:ph type="title"/>
-          </p:nvPr>
-        </p:nvSpPr>
-        <p:spPr/>
-        <p:txBody>
-          <a:bodyPr>
+          <p:cNvPr id="5" name="內容版面配置區 4"/>
+          <p:cNvSpPr>
+            <a:spLocks noGrp="1"/>
+          </p:cNvSpPr>
+          <p:nvPr>
+            <p:ph idx="1"/>
+          </p:nvPr>
+        </p:nvSpPr>
+        <p:spPr>
+          <a:xfrm>
+            <a:off x="0" y="2084851"/>
+            <a:ext cx="12192000" cy="2404863"/>
+          </a:xfrm>
+        </p:spPr>
+        <p:txBody>
+          <a:bodyPr anchor="ctr">
             <a:normAutofit/>
           </a:bodyPr>
           <a:lstStyle/>
           <a:p>
-            <a:r>
-              <a:rPr lang="en-US" altLang="zh-CN" sz="4800" b="1" dirty="0">
-                <a:solidFill>
-                  <a:srgbClr val="002060"/>
+            <a:pPr marL="0" indent="0" algn="ctr">
+              <a:buNone/>
+            </a:pPr>
+            <a:r>
+              <a:rPr lang="zh-CN" altLang="zh-TW" sz="6400" b="1" dirty="0">
+                <a:solidFill>
+                  <a:srgbClr val="660033"/>
                 </a:solidFill>
                 <a:latin typeface="Microsoft JhengHei" panose="020B0604030504040204" pitchFamily="34" charset="-120"/>
                 <a:ea typeface="Microsoft JhengHei" panose="020B0604030504040204" pitchFamily="34" charset="-120"/>
               </a:rPr>
-              <a:t>【</a:t>
-            </a:r>
-            <a:r>
-              <a:rPr lang="zh-CN" altLang="en-US" sz="4800" b="1" dirty="0">
-                <a:solidFill>
-                  <a:srgbClr val="002060"/>
+              <a:t>仰望主耶穌榮光就照臨</a:t>
+            </a:r>
+          </a:p>
+          <a:p>
+            <a:pPr marL="0" indent="0" algn="ctr">
+              <a:buNone/>
+            </a:pPr>
+            <a:r>
+              <a:rPr lang="zh-CN" altLang="zh-TW" sz="6400" b="1" dirty="0">
+                <a:solidFill>
+                  <a:srgbClr val="660033"/>
                 </a:solidFill>
                 <a:latin typeface="Microsoft JhengHei" panose="020B0604030504040204" pitchFamily="34" charset="-120"/>
                 <a:ea typeface="Microsoft JhengHei" panose="020B0604030504040204" pitchFamily="34" charset="-120"/>
               </a:rPr>
-              <a:t>時刻蒙恩</a:t>
-            </a:r>
-            <a:r>
-              <a:rPr lang="en-US" altLang="zh-CN" sz="4800" b="1" dirty="0">
-                <a:solidFill>
-                  <a:srgbClr val="002060"/>
-                </a:solidFill>
-                <a:latin typeface="Microsoft JhengHei" panose="020B0604030504040204" pitchFamily="34" charset="-120"/>
-                <a:ea typeface="Microsoft JhengHei" panose="020B0604030504040204" pitchFamily="34" charset="-120"/>
-              </a:rPr>
-              <a:t>】</a:t>
-            </a:r>
-          </a:p>
-        </p:txBody>
-      </p:sp>
-      <p:sp>
-        <p:nvSpPr>
-          <p:cNvPr id="5" name="Content Placeholder 4"/>
-          <p:cNvSpPr>
-            <a:spLocks noGrp="1"/>
-          </p:cNvSpPr>
-          <p:nvPr>
-            <p:ph idx="1"/>
-          </p:nvPr>
-        </p:nvSpPr>
-        <p:spPr/>
-        <p:txBody>
-          <a:bodyPr>
-            <a:normAutofit/>
-          </a:bodyPr>
-          <a:lstStyle/>
-          <a:p>
-            <a:pPr marL="0" indent="0" algn="ctr">
-              <a:buNone/>
-            </a:pPr>
-            <a:r>
-              <a:rPr lang="zh-CN" altLang="zh-TW" sz="5400" b="1" dirty="0">
-                <a:solidFill>
-                  <a:srgbClr val="002060"/>
-                </a:solidFill>
-                <a:latin typeface="Microsoft JhengHei" panose="020B0604030504040204" pitchFamily="34" charset="-120"/>
-                <a:ea typeface="Microsoft JhengHei" panose="020B0604030504040204" pitchFamily="34" charset="-120"/>
-              </a:rPr>
-              <a:t>無有一傷</a:t>
-            </a:r>
-            <a:r>
-              <a:rPr lang="zh-CN" altLang="zh-TW" sz="5400" b="1" dirty="0">
-                <a:solidFill>
-                  <a:srgbClr val="002060"/>
-                </a:solidFill>
-                <a:latin typeface="Microsoft JhengHei" panose="020B0604030504040204" pitchFamily="34" charset="-120"/>
-                <a:ea typeface="Microsoft JhengHei" panose="020B0604030504040204" pitchFamily="34" charset="-120"/>
-              </a:rPr>
-              <a:t>感我</a:t>
-            </a:r>
-            <a:r>
-              <a:rPr lang="zh-CN" altLang="zh-TW" sz="5400" b="1" dirty="0">
-                <a:solidFill>
-                  <a:srgbClr val="002060"/>
-                </a:solidFill>
-                <a:latin typeface="Microsoft JhengHei" panose="020B0604030504040204" pitchFamily="34" charset="-120"/>
-                <a:ea typeface="Microsoft JhengHei" panose="020B0604030504040204" pitchFamily="34" charset="-120"/>
-              </a:rPr>
-              <a:t>主不安慰</a:t>
-            </a:r>
-          </a:p>
-          <a:p>
-            <a:pPr marL="0" indent="0" algn="ctr">
-              <a:buNone/>
-            </a:pPr>
-            <a:r>
-              <a:rPr lang="zh-CN" altLang="zh-TW" sz="5400" b="1" dirty="0">
-                <a:solidFill>
-                  <a:srgbClr val="002060"/>
-                </a:solidFill>
-                <a:latin typeface="Microsoft JhengHei" panose="020B0604030504040204" pitchFamily="34" charset="-120"/>
-                <a:ea typeface="Microsoft JhengHei" panose="020B0604030504040204" pitchFamily="34" charset="-120"/>
-              </a:rPr>
-              <a:t>無有一眼</a:t>
-            </a:r>
-            <a:r>
-              <a:rPr lang="zh-CN" altLang="zh-TW" sz="5400" b="1" dirty="0">
-                <a:solidFill>
-                  <a:srgbClr val="002060"/>
-                </a:solidFill>
-                <a:latin typeface="Microsoft JhengHei" panose="020B0604030504040204" pitchFamily="34" charset="-120"/>
-                <a:ea typeface="Microsoft JhengHei" panose="020B0604030504040204" pitchFamily="34" charset="-120"/>
-              </a:rPr>
-              <a:t>淚我</a:t>
-            </a:r>
-            <a:r>
-              <a:rPr lang="zh-CN" altLang="zh-TW" sz="5400" b="1" dirty="0">
-                <a:solidFill>
-                  <a:srgbClr val="002060"/>
-                </a:solidFill>
-                <a:latin typeface="Microsoft JhengHei" panose="020B0604030504040204" pitchFamily="34" charset="-120"/>
-                <a:ea typeface="Microsoft JhengHei" panose="020B0604030504040204" pitchFamily="34" charset="-120"/>
-              </a:rPr>
-              <a:t>主不寶</a:t>
-            </a:r>
-            <a:r>
-              <a:rPr lang="zh-CN" altLang="zh-TW" sz="5400" b="1" dirty="0">
-                <a:solidFill>
-                  <a:srgbClr val="002060"/>
-                </a:solidFill>
-                <a:latin typeface="Microsoft JhengHei" panose="020B0604030504040204" pitchFamily="34" charset="-120"/>
-                <a:ea typeface="Microsoft JhengHei" panose="020B0604030504040204" pitchFamily="34" charset="-120"/>
-              </a:rPr>
-              <a:t>貴</a:t>
-            </a:r>
-            <a:endParaRPr lang="en-US" altLang="zh-CN" sz="5400" b="1" dirty="0">
+              <a:t>每時每刻我為救主子民</a:t>
+            </a:r>
+            <a:endParaRPr lang="zh-CN" altLang="zh-TW" sz="6400" b="1" dirty="0">
               <a:solidFill>
-                <a:srgbClr val="002060"/>
+                <a:srgbClr val="660033"/>
               </a:solidFill>
               <a:latin typeface="Microsoft JhengHei" panose="020B0604030504040204" pitchFamily="34" charset="-120"/>
               <a:ea typeface="Microsoft JhengHei" panose="020B0604030504040204" pitchFamily="34" charset="-120"/>
             </a:endParaRPr>
           </a:p>
-          <a:p>
-            <a:pPr marL="0" indent="0" algn="ctr">
-              <a:buNone/>
-            </a:pPr>
-            <a:r>
-              <a:rPr lang="zh-CN" altLang="zh-TW" sz="5400" b="1" dirty="0">
-                <a:solidFill>
-                  <a:srgbClr val="002060"/>
-                </a:solidFill>
-                <a:latin typeface="Microsoft JhengHei" panose="020B0604030504040204" pitchFamily="34" charset="-120"/>
-                <a:ea typeface="Microsoft JhengHei" panose="020B0604030504040204" pitchFamily="34" charset="-120"/>
-              </a:rPr>
-              <a:t>無有一危</a:t>
-            </a:r>
-            <a:r>
-              <a:rPr lang="zh-CN" altLang="zh-TW" sz="5400" b="1" dirty="0">
-                <a:solidFill>
-                  <a:srgbClr val="002060"/>
-                </a:solidFill>
-                <a:latin typeface="Microsoft JhengHei" panose="020B0604030504040204" pitchFamily="34" charset="-120"/>
-                <a:ea typeface="Microsoft JhengHei" panose="020B0604030504040204" pitchFamily="34" charset="-120"/>
-              </a:rPr>
-              <a:t>險我</a:t>
-            </a:r>
-            <a:r>
-              <a:rPr lang="zh-CN" altLang="zh-TW" sz="5400" b="1" dirty="0">
-                <a:solidFill>
-                  <a:srgbClr val="002060"/>
-                </a:solidFill>
-                <a:latin typeface="Microsoft JhengHei" panose="020B0604030504040204" pitchFamily="34" charset="-120"/>
-                <a:ea typeface="Microsoft JhengHei" panose="020B0604030504040204" pitchFamily="34" charset="-120"/>
-              </a:rPr>
-              <a:t>主不同在</a:t>
-            </a:r>
-          </a:p>
-          <a:p>
-            <a:pPr marL="0" indent="0" algn="ctr">
-              <a:buNone/>
-            </a:pPr>
-            <a:r>
-              <a:rPr lang="zh-CN" altLang="zh-TW" sz="5400" b="1" dirty="0">
-                <a:solidFill>
-                  <a:srgbClr val="002060"/>
-                </a:solidFill>
-                <a:latin typeface="Microsoft JhengHei" panose="020B0604030504040204" pitchFamily="34" charset="-120"/>
-                <a:ea typeface="Microsoft JhengHei" panose="020B0604030504040204" pitchFamily="34" charset="-120"/>
-              </a:rPr>
-              <a:t>每時每</a:t>
-            </a:r>
-            <a:r>
-              <a:rPr lang="zh-CN" altLang="zh-TW" sz="5400" b="1" dirty="0">
-                <a:solidFill>
-                  <a:srgbClr val="002060"/>
-                </a:solidFill>
-                <a:latin typeface="Microsoft JhengHei" panose="020B0604030504040204" pitchFamily="34" charset="-120"/>
-                <a:ea typeface="Microsoft JhengHei" panose="020B0604030504040204" pitchFamily="34" charset="-120"/>
-              </a:rPr>
-              <a:t>刻我</a:t>
-            </a:r>
-            <a:r>
-              <a:rPr lang="zh-CN" altLang="zh-TW" sz="5400" b="1" dirty="0">
-                <a:solidFill>
-                  <a:srgbClr val="002060"/>
-                </a:solidFill>
-                <a:latin typeface="Microsoft JhengHei" panose="020B0604030504040204" pitchFamily="34" charset="-120"/>
-                <a:ea typeface="Microsoft JhengHei" panose="020B0604030504040204" pitchFamily="34" charset="-120"/>
-              </a:rPr>
-              <a:t>都</a:t>
-            </a:r>
-            <a:r>
-              <a:rPr lang="zh-TW" altLang="en-US" sz="5400" b="1" dirty="0">
-                <a:solidFill>
-                  <a:srgbClr val="002060"/>
-                </a:solidFill>
-                <a:latin typeface="Microsoft JhengHei" panose="020B0604030504040204" pitchFamily="34" charset="-120"/>
-                <a:ea typeface="Microsoft JhengHei" panose="020B0604030504040204" pitchFamily="34" charset="-120"/>
-                <a:sym typeface="+mn-ea"/>
-              </a:rPr>
-              <a:t>蒙</a:t>
-            </a:r>
-            <a:r>
-              <a:rPr lang="zh-CN" altLang="zh-TW" sz="5400" b="1" dirty="0">
-                <a:solidFill>
-                  <a:srgbClr val="002060"/>
-                </a:solidFill>
-                <a:latin typeface="Microsoft JhengHei" panose="020B0604030504040204" pitchFamily="34" charset="-120"/>
-                <a:ea typeface="Microsoft JhengHei" panose="020B0604030504040204" pitchFamily="34" charset="-120"/>
-                <a:sym typeface="+mn-ea"/>
-              </a:rPr>
-              <a:t>主恩</a:t>
-            </a:r>
-            <a:r>
-              <a:rPr lang="zh-CN" altLang="zh-TW" sz="5400" b="1" dirty="0">
-                <a:solidFill>
-                  <a:srgbClr val="002060"/>
-                </a:solidFill>
-                <a:latin typeface="Microsoft JhengHei" panose="020B0604030504040204" pitchFamily="34" charset="-120"/>
-                <a:ea typeface="Microsoft JhengHei" panose="020B0604030504040204" pitchFamily="34" charset="-120"/>
-                <a:sym typeface="+mn-ea"/>
-              </a:rPr>
-              <a:t>愛</a:t>
-            </a:r>
-            <a:endParaRPr lang="zh-CN" altLang="zh-TW" sz="5400" b="1" dirty="0">
-              <a:solidFill>
-                <a:srgbClr val="002060"/>
-              </a:solidFill>
-              <a:latin typeface="Microsoft JhengHei" panose="020B0604030504040204" pitchFamily="34" charset="-120"/>
-              <a:ea typeface="Microsoft JhengHei" panose="020B0604030504040204" pitchFamily="34" charset="-120"/>
-              <a:sym typeface="+mn-ea"/>
-            </a:endParaRPr>
-          </a:p>
-        </p:txBody>
-      </p:sp>
-      <p:sp>
-        <p:nvSpPr>
-          <p:cNvPr id="7" name="Text Box 1"/>
-          <p:cNvSpPr txBox="1"/>
-          <p:nvPr/>
-        </p:nvSpPr>
-        <p:spPr>
-          <a:xfrm>
-            <a:off x="911424" y="1619645"/>
-            <a:ext cx="1380490" cy="923330"/>
-          </a:xfrm>
-          <a:prstGeom prst="rect">
-            <a:avLst/>
-          </a:prstGeom>
-          <a:noFill/>
-          <a:ln w="9525">
-            <a:noFill/>
-            <a:miter lim="800000"/>
-          </a:ln>
-        </p:spPr>
-        <p:txBody>
-          <a:bodyPr wrap="square">
-            <a:spAutoFit/>
-          </a:bodyPr>
-          <a:lstStyle/>
-          <a:p>
-            <a:pPr algn="ctr"/>
-            <a:r>
-              <a:rPr lang="en-US" sz="5400" b="1" dirty="0">
-                <a:solidFill>
-                  <a:srgbClr val="002060"/>
-                </a:solidFill>
-              </a:rPr>
-              <a:t>3</a:t>
-            </a:r>
-            <a:r>
-              <a:rPr lang="en-US" sz="5400" b="1" dirty="0" smtClean="0">
-                <a:solidFill>
-                  <a:srgbClr val="002060"/>
-                </a:solidFill>
-              </a:rPr>
-              <a:t>.</a:t>
-            </a:r>
-            <a:endParaRPr lang="en-US" sz="5400" b="1" dirty="0">
-              <a:solidFill>
-                <a:srgbClr val="002060"/>
-              </a:solidFill>
-            </a:endParaRPr>
-          </a:p>
         </p:txBody>
       </p:sp>
     </p:spTree>
     <p:extLst>
       <p:ext uri="{BB962C8B-B14F-4D97-AF65-F5344CB8AC3E}">
-        <p14:creationId xmlns:p14="http://schemas.microsoft.com/office/powerpoint/2010/main" val="3232862789"/>
+        <p14:creationId xmlns:p14="http://schemas.microsoft.com/office/powerpoint/2010/main" val="1570723125"/>
       </p:ext>
     </p:extLst>
   </p:cSld>
@@ -5306,256 +5335,57 @@
       </p:grpSpPr>
       <p:sp>
         <p:nvSpPr>
-          <p:cNvPr id="4" name="Title 3"/>
-          <p:cNvSpPr>
-            <a:spLocks noGrp="1"/>
-          </p:cNvSpPr>
-          <p:nvPr>
-            <p:ph type="title"/>
-          </p:nvPr>
-        </p:nvSpPr>
-        <p:spPr/>
-        <p:txBody>
-          <a:bodyPr>
+          <p:cNvPr id="5" name="內容版面配置區 4"/>
+          <p:cNvSpPr>
+            <a:spLocks noGrp="1"/>
+          </p:cNvSpPr>
+          <p:nvPr>
+            <p:ph idx="1"/>
+          </p:nvPr>
+        </p:nvSpPr>
+        <p:spPr>
+          <a:xfrm>
+            <a:off x="0" y="2084851"/>
+            <a:ext cx="12192000" cy="2404863"/>
+          </a:xfrm>
+        </p:spPr>
+        <p:txBody>
+          <a:bodyPr anchor="ctr">
             <a:normAutofit/>
           </a:bodyPr>
           <a:lstStyle/>
           <a:p>
-            <a:r>
-              <a:rPr lang="en-US" altLang="zh-CN" sz="4800" b="1" dirty="0">
-                <a:solidFill>
-                  <a:srgbClr val="002060"/>
+            <a:pPr marL="0" indent="0" algn="ctr">
+              <a:buNone/>
+            </a:pPr>
+            <a:r>
+              <a:rPr lang="zh-CN" altLang="zh-TW" sz="6400" b="1" dirty="0">
+                <a:solidFill>
+                  <a:srgbClr val="660033"/>
                 </a:solidFill>
                 <a:latin typeface="Microsoft JhengHei" panose="020B0604030504040204" pitchFamily="34" charset="-120"/>
                 <a:ea typeface="Microsoft JhengHei" panose="020B0604030504040204" pitchFamily="34" charset="-120"/>
               </a:rPr>
-              <a:t>【</a:t>
-            </a:r>
-            <a:r>
-              <a:rPr lang="zh-CN" altLang="en-US" sz="4800" b="1" dirty="0">
-                <a:solidFill>
-                  <a:srgbClr val="002060"/>
+              <a:t>無有一試探我主不開路</a:t>
+            </a:r>
+          </a:p>
+          <a:p>
+            <a:pPr marL="0" indent="0" algn="ctr">
+              <a:buNone/>
+            </a:pPr>
+            <a:r>
+              <a:rPr lang="zh-CN" altLang="zh-TW" sz="6400" b="1" dirty="0">
+                <a:solidFill>
+                  <a:srgbClr val="660033"/>
                 </a:solidFill>
                 <a:latin typeface="Microsoft JhengHei" panose="020B0604030504040204" pitchFamily="34" charset="-120"/>
                 <a:ea typeface="Microsoft JhengHei" panose="020B0604030504040204" pitchFamily="34" charset="-120"/>
               </a:rPr>
-              <a:t>時刻蒙恩</a:t>
-            </a:r>
-            <a:r>
-              <a:rPr lang="en-US" altLang="zh-CN" sz="4800" b="1" dirty="0">
-                <a:solidFill>
-                  <a:srgbClr val="002060"/>
-                </a:solidFill>
-                <a:latin typeface="Microsoft JhengHei" panose="020B0604030504040204" pitchFamily="34" charset="-120"/>
-                <a:ea typeface="Microsoft JhengHei" panose="020B0604030504040204" pitchFamily="34" charset="-120"/>
-              </a:rPr>
-              <a:t>】</a:t>
-            </a:r>
-          </a:p>
-        </p:txBody>
-      </p:sp>
-      <p:sp>
-        <p:nvSpPr>
-          <p:cNvPr id="5" name="Content Placeholder 4"/>
-          <p:cNvSpPr>
-            <a:spLocks noGrp="1"/>
-          </p:cNvSpPr>
-          <p:nvPr>
-            <p:ph idx="1"/>
-          </p:nvPr>
-        </p:nvSpPr>
-        <p:spPr/>
-        <p:txBody>
-          <a:bodyPr>
-            <a:normAutofit/>
-          </a:bodyPr>
-          <a:lstStyle/>
-          <a:p>
-            <a:pPr marL="0" indent="0" algn="ctr">
-              <a:buNone/>
-            </a:pPr>
-            <a:r>
-              <a:rPr lang="zh-CN" altLang="zh-TW" sz="5400" b="1" dirty="0">
-                <a:solidFill>
-                  <a:srgbClr val="002060"/>
-                </a:solidFill>
-                <a:latin typeface="Microsoft JhengHei" panose="020B0604030504040204" pitchFamily="34" charset="-120"/>
-                <a:ea typeface="Microsoft JhengHei" panose="020B0604030504040204" pitchFamily="34" charset="-120"/>
-              </a:rPr>
-              <a:t>每時每</a:t>
-            </a:r>
-            <a:r>
-              <a:rPr lang="zh-CN" altLang="zh-TW" sz="5400" b="1" dirty="0">
-                <a:solidFill>
-                  <a:srgbClr val="002060"/>
-                </a:solidFill>
-                <a:latin typeface="Microsoft JhengHei" panose="020B0604030504040204" pitchFamily="34" charset="-120"/>
-                <a:ea typeface="Microsoft JhengHei" panose="020B0604030504040204" pitchFamily="34" charset="-120"/>
-              </a:rPr>
-              <a:t>刻我</a:t>
-            </a:r>
-            <a:r>
-              <a:rPr lang="zh-TW" altLang="en-US" sz="5400" b="1" dirty="0">
-                <a:solidFill>
-                  <a:srgbClr val="002060"/>
-                </a:solidFill>
-                <a:latin typeface="Microsoft JhengHei" panose="020B0604030504040204" pitchFamily="34" charset="-120"/>
-                <a:ea typeface="Microsoft JhengHei" panose="020B0604030504040204" pitchFamily="34" charset="-120"/>
-                <a:sym typeface="+mn-ea"/>
-              </a:rPr>
-              <a:t>蒙</a:t>
-            </a:r>
-            <a:r>
-              <a:rPr lang="zh-CN" altLang="zh-TW" sz="5400" b="1" dirty="0">
-                <a:solidFill>
-                  <a:srgbClr val="002060"/>
-                </a:solidFill>
-                <a:latin typeface="Microsoft JhengHei" panose="020B0604030504040204" pitchFamily="34" charset="-120"/>
-                <a:ea typeface="Microsoft JhengHei" panose="020B0604030504040204" pitchFamily="34" charset="-120"/>
-                <a:sym typeface="+mn-ea"/>
-              </a:rPr>
-              <a:t>主愛保守</a:t>
-            </a:r>
-          </a:p>
-          <a:p>
-            <a:pPr marL="0" indent="0" algn="ctr">
-              <a:buNone/>
-            </a:pPr>
-            <a:r>
-              <a:rPr lang="zh-CN" altLang="zh-TW" sz="5400" b="1" dirty="0">
-                <a:solidFill>
-                  <a:srgbClr val="002060"/>
-                </a:solidFill>
-                <a:latin typeface="Microsoft JhengHei" panose="020B0604030504040204" pitchFamily="34" charset="-120"/>
-                <a:ea typeface="Microsoft JhengHei" panose="020B0604030504040204" pitchFamily="34" charset="-120"/>
-                <a:sym typeface="+mn-ea"/>
-              </a:rPr>
-              <a:t>每時每</a:t>
-            </a:r>
-            <a:r>
-              <a:rPr lang="zh-CN" altLang="zh-TW" sz="5400" b="1" dirty="0">
-                <a:solidFill>
-                  <a:srgbClr val="002060"/>
-                </a:solidFill>
-                <a:latin typeface="Microsoft JhengHei" panose="020B0604030504040204" pitchFamily="34" charset="-120"/>
-                <a:ea typeface="Microsoft JhengHei" panose="020B0604030504040204" pitchFamily="34" charset="-120"/>
-                <a:sym typeface="+mn-ea"/>
-              </a:rPr>
-              <a:t>刻生</a:t>
-            </a:r>
-            <a:r>
-              <a:rPr lang="zh-CN" altLang="zh-TW" sz="5400" b="1" dirty="0">
-                <a:solidFill>
-                  <a:srgbClr val="002060"/>
-                </a:solidFill>
-                <a:latin typeface="Microsoft JhengHei" panose="020B0604030504040204" pitchFamily="34" charset="-120"/>
-                <a:ea typeface="Microsoft JhengHei" panose="020B0604030504040204" pitchFamily="34" charset="-120"/>
-                <a:sym typeface="+mn-ea"/>
-              </a:rPr>
-              <a:t>命泉向我</a:t>
-            </a:r>
-            <a:r>
-              <a:rPr lang="zh-CN" altLang="zh-TW" sz="5400" b="1" dirty="0">
-                <a:solidFill>
-                  <a:srgbClr val="002060"/>
-                </a:solidFill>
-                <a:latin typeface="Microsoft JhengHei" panose="020B0604030504040204" pitchFamily="34" charset="-120"/>
-                <a:ea typeface="Microsoft JhengHei" panose="020B0604030504040204" pitchFamily="34" charset="-120"/>
-                <a:sym typeface="+mn-ea"/>
-              </a:rPr>
-              <a:t>流</a:t>
-            </a:r>
-            <a:endParaRPr lang="en-US" altLang="zh-CN" sz="5400" b="1" dirty="0">
+              <a:t>無有一重擔我主不擔當</a:t>
+            </a:r>
+            <a:endParaRPr lang="en-US" altLang="zh-CN" sz="6400" b="1" dirty="0">
               <a:solidFill>
-                <a:srgbClr val="002060"/>
-              </a:solidFill>
-              <a:latin typeface="Microsoft JhengHei" panose="020B0604030504040204" pitchFamily="34" charset="-120"/>
-              <a:ea typeface="Microsoft JhengHei" panose="020B0604030504040204" pitchFamily="34" charset="-120"/>
-              <a:sym typeface="+mn-ea"/>
-            </a:endParaRPr>
-          </a:p>
-          <a:p>
-            <a:pPr marL="0" indent="0" algn="ctr">
-              <a:buNone/>
-            </a:pPr>
-            <a:r>
-              <a:rPr lang="zh-CN" altLang="zh-TW" sz="5400" b="1" dirty="0">
-                <a:solidFill>
-                  <a:srgbClr val="002060"/>
-                </a:solidFill>
-                <a:latin typeface="Microsoft JhengHei" panose="020B0604030504040204" pitchFamily="34" charset="-120"/>
-                <a:ea typeface="Microsoft JhengHei" panose="020B0604030504040204" pitchFamily="34" charset="-120"/>
-              </a:rPr>
-              <a:t>仰望主耶</a:t>
-            </a:r>
-            <a:r>
-              <a:rPr lang="zh-CN" altLang="zh-TW" sz="5400" b="1" dirty="0">
-                <a:solidFill>
-                  <a:srgbClr val="002060"/>
-                </a:solidFill>
-                <a:latin typeface="Microsoft JhengHei" panose="020B0604030504040204" pitchFamily="34" charset="-120"/>
-                <a:ea typeface="Microsoft JhengHei" panose="020B0604030504040204" pitchFamily="34" charset="-120"/>
-              </a:rPr>
-              <a:t>穌榮</a:t>
-            </a:r>
-            <a:r>
-              <a:rPr lang="zh-CN" altLang="zh-TW" sz="5400" b="1" dirty="0">
-                <a:solidFill>
-                  <a:srgbClr val="002060"/>
-                </a:solidFill>
-                <a:latin typeface="Microsoft JhengHei" panose="020B0604030504040204" pitchFamily="34" charset="-120"/>
-                <a:ea typeface="Microsoft JhengHei" panose="020B0604030504040204" pitchFamily="34" charset="-120"/>
-              </a:rPr>
-              <a:t>光就照臨</a:t>
-            </a:r>
-          </a:p>
-          <a:p>
-            <a:pPr marL="0" indent="0" algn="ctr">
-              <a:buNone/>
-            </a:pPr>
-            <a:r>
-              <a:rPr lang="zh-CN" altLang="zh-TW" sz="5400" b="1" dirty="0">
-                <a:solidFill>
-                  <a:srgbClr val="002060"/>
-                </a:solidFill>
-                <a:latin typeface="Microsoft JhengHei" panose="020B0604030504040204" pitchFamily="34" charset="-120"/>
-                <a:ea typeface="Microsoft JhengHei" panose="020B0604030504040204" pitchFamily="34" charset="-120"/>
-              </a:rPr>
-              <a:t>每時每</a:t>
-            </a:r>
-            <a:r>
-              <a:rPr lang="zh-CN" altLang="zh-TW" sz="5400" b="1" dirty="0">
-                <a:solidFill>
-                  <a:srgbClr val="002060"/>
-                </a:solidFill>
-                <a:latin typeface="Microsoft JhengHei" panose="020B0604030504040204" pitchFamily="34" charset="-120"/>
-                <a:ea typeface="Microsoft JhengHei" panose="020B0604030504040204" pitchFamily="34" charset="-120"/>
-              </a:rPr>
-              <a:t>刻我</a:t>
-            </a:r>
-            <a:r>
-              <a:rPr lang="zh-CN" altLang="zh-TW" sz="5400" b="1" dirty="0">
-                <a:solidFill>
-                  <a:srgbClr val="002060"/>
-                </a:solidFill>
-                <a:latin typeface="Microsoft JhengHei" panose="020B0604030504040204" pitchFamily="34" charset="-120"/>
-                <a:ea typeface="Microsoft JhengHei" panose="020B0604030504040204" pitchFamily="34" charset="-120"/>
-              </a:rPr>
-              <a:t>為救主子</a:t>
-            </a:r>
-            <a:r>
-              <a:rPr lang="zh-CN" altLang="zh-TW" sz="5400" b="1" dirty="0">
-                <a:solidFill>
-                  <a:srgbClr val="002060"/>
-                </a:solidFill>
-                <a:latin typeface="Microsoft JhengHei" panose="020B0604030504040204" pitchFamily="34" charset="-120"/>
-                <a:ea typeface="Microsoft JhengHei" panose="020B0604030504040204" pitchFamily="34" charset="-120"/>
-              </a:rPr>
-              <a:t>民</a:t>
-            </a:r>
-            <a:endParaRPr lang="zh-CN" altLang="zh-TW" sz="5400" b="1" dirty="0">
-              <a:solidFill>
-                <a:srgbClr val="002060"/>
+                <a:srgbClr val="660033"/>
               </a:solidFill>
               <a:latin typeface="Microsoft JhengHei" panose="020B0604030504040204" pitchFamily="34" charset="-120"/>
               <a:ea typeface="Microsoft JhengHei" panose="020B0604030504040204" pitchFamily="34" charset="-120"/>
@@ -5563,10 +5393,48 @@
           </a:p>
         </p:txBody>
       </p:sp>
+      <p:sp>
+        <p:nvSpPr>
+          <p:cNvPr id="3" name="TextBox 2"/>
+          <p:cNvSpPr txBox="1"/>
+          <p:nvPr/>
+        </p:nvSpPr>
+        <p:spPr>
+          <a:xfrm>
+            <a:off x="623392" y="2276872"/>
+            <a:ext cx="1248139" cy="1077218"/>
+          </a:xfrm>
+          <a:prstGeom prst="rect">
+            <a:avLst/>
+          </a:prstGeom>
+          <a:noFill/>
+        </p:spPr>
+        <p:txBody>
+          <a:bodyPr wrap="square" rtlCol="0">
+            <a:spAutoFit/>
+          </a:bodyPr>
+          <a:lstStyle/>
+          <a:p>
+            <a:r>
+              <a:rPr lang="en-US" sz="6400" b="1" dirty="0">
+                <a:solidFill>
+                  <a:srgbClr val="660033"/>
+                </a:solidFill>
+              </a:rPr>
+              <a:t>2.</a:t>
+            </a:r>
+            <a:endParaRPr lang="vi-VN" sz="6400" b="1" dirty="0">
+              <a:solidFill>
+                <a:srgbClr val="660033"/>
+              </a:solidFill>
+            </a:endParaRPr>
+          </a:p>
+        </p:txBody>
+      </p:sp>
     </p:spTree>
     <p:extLst>
       <p:ext uri="{BB962C8B-B14F-4D97-AF65-F5344CB8AC3E}">
-        <p14:creationId xmlns:p14="http://schemas.microsoft.com/office/powerpoint/2010/main" val="162873309"/>
+        <p14:creationId xmlns:p14="http://schemas.microsoft.com/office/powerpoint/2010/main" val="519869207"/>
       </p:ext>
     </p:extLst>
   </p:cSld>
@@ -5595,292 +5463,97 @@
       </p:grpSpPr>
       <p:sp>
         <p:nvSpPr>
-          <p:cNvPr id="4" name="Title 3"/>
-          <p:cNvSpPr>
-            <a:spLocks noGrp="1"/>
-          </p:cNvSpPr>
-          <p:nvPr>
-            <p:ph type="title"/>
-          </p:nvPr>
-        </p:nvSpPr>
-        <p:spPr/>
-        <p:txBody>
-          <a:bodyPr>
+          <p:cNvPr id="5" name="內容版面配置區 4"/>
+          <p:cNvSpPr>
+            <a:spLocks noGrp="1"/>
+          </p:cNvSpPr>
+          <p:nvPr>
+            <p:ph idx="1"/>
+          </p:nvPr>
+        </p:nvSpPr>
+        <p:spPr>
+          <a:xfrm>
+            <a:off x="0" y="2084851"/>
+            <a:ext cx="12192000" cy="2404863"/>
+          </a:xfrm>
+        </p:spPr>
+        <p:txBody>
+          <a:bodyPr anchor="ctr">
             <a:normAutofit/>
           </a:bodyPr>
           <a:lstStyle/>
           <a:p>
-            <a:r>
-              <a:rPr lang="en-US" altLang="zh-CN" sz="4800" b="1" dirty="0">
-                <a:solidFill>
-                  <a:srgbClr val="002060"/>
+            <a:pPr marL="0" indent="0" algn="ctr">
+              <a:buNone/>
+            </a:pPr>
+            <a:r>
+              <a:rPr lang="zh-CN" altLang="zh-TW" sz="6400" b="1" dirty="0">
+                <a:solidFill>
+                  <a:srgbClr val="660033"/>
                 </a:solidFill>
                 <a:latin typeface="Microsoft JhengHei" panose="020B0604030504040204" pitchFamily="34" charset="-120"/>
                 <a:ea typeface="Microsoft JhengHei" panose="020B0604030504040204" pitchFamily="34" charset="-120"/>
               </a:rPr>
-              <a:t>【</a:t>
-            </a:r>
-            <a:r>
-              <a:rPr lang="zh-CN" altLang="en-US" sz="4800" b="1" dirty="0">
-                <a:solidFill>
-                  <a:srgbClr val="002060"/>
+              <a:t>無有一憂慮我主不與分</a:t>
+            </a:r>
+          </a:p>
+          <a:p>
+            <a:pPr marL="0" indent="0" algn="ctr">
+              <a:buNone/>
+            </a:pPr>
+            <a:r>
+              <a:rPr lang="zh-CN" altLang="zh-TW" sz="6400" b="1" dirty="0">
+                <a:solidFill>
+                  <a:srgbClr val="660033"/>
                 </a:solidFill>
                 <a:latin typeface="Microsoft JhengHei" panose="020B0604030504040204" pitchFamily="34" charset="-120"/>
                 <a:ea typeface="Microsoft JhengHei" panose="020B0604030504040204" pitchFamily="34" charset="-120"/>
               </a:rPr>
-              <a:t>時刻蒙恩</a:t>
-            </a:r>
-            <a:r>
-              <a:rPr lang="en-US" altLang="zh-CN" sz="4800" b="1" dirty="0">
-                <a:solidFill>
-                  <a:srgbClr val="002060"/>
-                </a:solidFill>
-                <a:latin typeface="Microsoft JhengHei" panose="020B0604030504040204" pitchFamily="34" charset="-120"/>
-                <a:ea typeface="Microsoft JhengHei" panose="020B0604030504040204" pitchFamily="34" charset="-120"/>
-              </a:rPr>
-              <a:t>】</a:t>
-            </a:r>
-          </a:p>
-        </p:txBody>
-      </p:sp>
-      <p:sp>
-        <p:nvSpPr>
-          <p:cNvPr id="5" name="Content Placeholder 4"/>
-          <p:cNvSpPr>
-            <a:spLocks noGrp="1"/>
-          </p:cNvSpPr>
-          <p:nvPr>
-            <p:ph idx="1"/>
-          </p:nvPr>
-        </p:nvSpPr>
-        <p:spPr/>
-        <p:txBody>
-          <a:bodyPr>
-            <a:normAutofit/>
-          </a:bodyPr>
-          <a:lstStyle/>
-          <a:p>
-            <a:pPr marL="0" indent="0" algn="ctr">
-              <a:buNone/>
-            </a:pPr>
-            <a:r>
-              <a:rPr lang="zh-CN" altLang="zh-TW" sz="5400" b="1" dirty="0">
-                <a:solidFill>
-                  <a:srgbClr val="002060"/>
-                </a:solidFill>
-                <a:latin typeface="Microsoft JhengHei" panose="020B0604030504040204" pitchFamily="34" charset="-120"/>
-                <a:ea typeface="Microsoft JhengHei" panose="020B0604030504040204" pitchFamily="34" charset="-120"/>
-              </a:rPr>
-              <a:t>無有一懦</a:t>
-            </a:r>
-            <a:r>
-              <a:rPr lang="zh-CN" altLang="zh-TW" sz="5400" b="1" dirty="0">
-                <a:solidFill>
-                  <a:srgbClr val="002060"/>
-                </a:solidFill>
-                <a:latin typeface="Microsoft JhengHei" panose="020B0604030504040204" pitchFamily="34" charset="-120"/>
-                <a:ea typeface="Microsoft JhengHei" panose="020B0604030504040204" pitchFamily="34" charset="-120"/>
-              </a:rPr>
-              <a:t>弱我</a:t>
-            </a:r>
-            <a:r>
-              <a:rPr lang="zh-CN" altLang="zh-TW" sz="5400" b="1" dirty="0">
-                <a:solidFill>
-                  <a:srgbClr val="002060"/>
-                </a:solidFill>
-                <a:latin typeface="Microsoft JhengHei" panose="020B0604030504040204" pitchFamily="34" charset="-120"/>
-                <a:ea typeface="Microsoft JhengHei" panose="020B0604030504040204" pitchFamily="34" charset="-120"/>
-              </a:rPr>
-              <a:t>主不扶助</a:t>
-            </a:r>
-          </a:p>
-          <a:p>
-            <a:pPr marL="0" indent="0" algn="ctr">
-              <a:buNone/>
-            </a:pPr>
-            <a:r>
-              <a:rPr lang="zh-CN" altLang="zh-TW" sz="5400" b="1" dirty="0">
-                <a:solidFill>
-                  <a:srgbClr val="002060"/>
-                </a:solidFill>
-                <a:latin typeface="Microsoft JhengHei" panose="020B0604030504040204" pitchFamily="34" charset="-120"/>
-                <a:ea typeface="Microsoft JhengHei" panose="020B0604030504040204" pitchFamily="34" charset="-120"/>
-              </a:rPr>
-              <a:t>無有一病</a:t>
-            </a:r>
-            <a:r>
-              <a:rPr lang="zh-CN" altLang="zh-TW" sz="5400" b="1" dirty="0">
-                <a:solidFill>
-                  <a:srgbClr val="002060"/>
-                </a:solidFill>
-                <a:latin typeface="Microsoft JhengHei" panose="020B0604030504040204" pitchFamily="34" charset="-120"/>
-                <a:ea typeface="Microsoft JhengHei" panose="020B0604030504040204" pitchFamily="34" charset="-120"/>
-              </a:rPr>
-              <a:t>患我</a:t>
-            </a:r>
-            <a:r>
-              <a:rPr lang="zh-CN" altLang="zh-TW" sz="5400" b="1" dirty="0">
-                <a:solidFill>
-                  <a:srgbClr val="002060"/>
-                </a:solidFill>
-                <a:latin typeface="Microsoft JhengHei" panose="020B0604030504040204" pitchFamily="34" charset="-120"/>
-                <a:ea typeface="Microsoft JhengHei" panose="020B0604030504040204" pitchFamily="34" charset="-120"/>
-              </a:rPr>
-              <a:t>主不看</a:t>
-            </a:r>
-            <a:r>
-              <a:rPr lang="zh-CN" altLang="zh-TW" sz="5400" b="1" dirty="0">
-                <a:solidFill>
-                  <a:srgbClr val="002060"/>
-                </a:solidFill>
-                <a:latin typeface="Microsoft JhengHei" panose="020B0604030504040204" pitchFamily="34" charset="-120"/>
-                <a:ea typeface="Microsoft JhengHei" panose="020B0604030504040204" pitchFamily="34" charset="-120"/>
-              </a:rPr>
-              <a:t>顧</a:t>
-            </a:r>
-            <a:endParaRPr lang="en-US" altLang="zh-CN" sz="5400" b="1" dirty="0">
+              <a:t>每時每刻我都得主鴻恩</a:t>
+            </a:r>
+            <a:endParaRPr lang="zh-CN" altLang="zh-TW" sz="6400" b="1" dirty="0">
               <a:solidFill>
-                <a:srgbClr val="002060"/>
+                <a:srgbClr val="660033"/>
               </a:solidFill>
               <a:latin typeface="Microsoft JhengHei" panose="020B0604030504040204" pitchFamily="34" charset="-120"/>
               <a:ea typeface="Microsoft JhengHei" panose="020B0604030504040204" pitchFamily="34" charset="-120"/>
             </a:endParaRPr>
           </a:p>
-          <a:p>
-            <a:pPr marL="0" indent="0" algn="ctr">
-              <a:buNone/>
-            </a:pPr>
-            <a:r>
-              <a:rPr lang="zh-CN" altLang="zh-TW" sz="5400" b="1" dirty="0">
-                <a:solidFill>
-                  <a:srgbClr val="002060"/>
-                </a:solidFill>
-                <a:latin typeface="Microsoft JhengHei" panose="020B0604030504040204" pitchFamily="34" charset="-120"/>
-                <a:ea typeface="Microsoft JhengHei" panose="020B0604030504040204" pitchFamily="34" charset="-120"/>
-              </a:rPr>
-              <a:t>每時每</a:t>
-            </a:r>
-            <a:r>
-              <a:rPr lang="zh-CN" altLang="zh-TW" sz="5400" b="1" dirty="0">
-                <a:solidFill>
-                  <a:srgbClr val="002060"/>
-                </a:solidFill>
-                <a:latin typeface="Microsoft JhengHei" panose="020B0604030504040204" pitchFamily="34" charset="-120"/>
-                <a:ea typeface="Microsoft JhengHei" panose="020B0604030504040204" pitchFamily="34" charset="-120"/>
-              </a:rPr>
-              <a:t>刻我</a:t>
-            </a:r>
-            <a:r>
-              <a:rPr lang="zh-CN" altLang="zh-TW" sz="5400" b="1" dirty="0">
-                <a:solidFill>
-                  <a:srgbClr val="002060"/>
-                </a:solidFill>
-                <a:latin typeface="Microsoft JhengHei" panose="020B0604030504040204" pitchFamily="34" charset="-120"/>
-                <a:ea typeface="Microsoft JhengHei" panose="020B0604030504040204" pitchFamily="34" charset="-120"/>
-              </a:rPr>
-              <a:t>遇苦或遇福</a:t>
-            </a:r>
-          </a:p>
-          <a:p>
-            <a:pPr marL="0" indent="0" algn="ctr">
-              <a:buNone/>
-            </a:pPr>
-            <a:r>
-              <a:rPr lang="zh-CN" altLang="zh-TW" sz="5400" b="1" dirty="0">
-                <a:solidFill>
-                  <a:srgbClr val="002060"/>
-                </a:solidFill>
-                <a:latin typeface="Microsoft JhengHei" panose="020B0604030504040204" pitchFamily="34" charset="-120"/>
-                <a:ea typeface="Microsoft JhengHei" panose="020B0604030504040204" pitchFamily="34" charset="-120"/>
-              </a:rPr>
-              <a:t>耶穌我救</a:t>
-            </a:r>
-            <a:r>
-              <a:rPr lang="zh-CN" altLang="zh-TW" sz="5400" b="1" dirty="0">
-                <a:solidFill>
-                  <a:srgbClr val="002060"/>
-                </a:solidFill>
-                <a:latin typeface="Microsoft JhengHei" panose="020B0604030504040204" pitchFamily="34" charset="-120"/>
-                <a:ea typeface="Microsoft JhengHei" panose="020B0604030504040204" pitchFamily="34" charset="-120"/>
-              </a:rPr>
-              <a:t>主必</a:t>
-            </a:r>
-            <a:r>
-              <a:rPr lang="zh-CN" altLang="zh-TW" sz="5400" b="1" dirty="0">
-                <a:solidFill>
-                  <a:srgbClr val="002060"/>
-                </a:solidFill>
-                <a:latin typeface="Microsoft JhengHei" panose="020B0604030504040204" pitchFamily="34" charset="-120"/>
-                <a:ea typeface="Microsoft JhengHei" panose="020B0604030504040204" pitchFamily="34" charset="-120"/>
-              </a:rPr>
-              <a:t>時常保</a:t>
-            </a:r>
-            <a:r>
-              <a:rPr lang="zh-CN" altLang="zh-TW" sz="5400" b="1" dirty="0">
-                <a:solidFill>
-                  <a:srgbClr val="002060"/>
-                </a:solidFill>
-                <a:latin typeface="Microsoft JhengHei" panose="020B0604030504040204" pitchFamily="34" charset="-120"/>
-                <a:ea typeface="Microsoft JhengHei" panose="020B0604030504040204" pitchFamily="34" charset="-120"/>
-              </a:rPr>
-              <a:t>護</a:t>
-            </a:r>
-            <a:endParaRPr lang="zh-CN" altLang="zh-TW" sz="5400" b="1" dirty="0">
-              <a:solidFill>
-                <a:srgbClr val="002060"/>
-              </a:solidFill>
-              <a:latin typeface="Microsoft JhengHei" panose="020B0604030504040204" pitchFamily="34" charset="-120"/>
-              <a:ea typeface="Microsoft JhengHei" panose="020B0604030504040204" pitchFamily="34" charset="-120"/>
-            </a:endParaRPr>
-          </a:p>
-        </p:txBody>
-      </p:sp>
-      <p:sp>
-        <p:nvSpPr>
-          <p:cNvPr id="7" name="Text Box 1"/>
+        </p:txBody>
+      </p:sp>
+      <p:sp>
+        <p:nvSpPr>
+          <p:cNvPr id="3" name="TextBox 2"/>
           <p:cNvSpPr txBox="1"/>
           <p:nvPr/>
         </p:nvSpPr>
         <p:spPr>
           <a:xfrm>
-            <a:off x="911424" y="1619645"/>
-            <a:ext cx="1380490" cy="923330"/>
+            <a:off x="623392" y="2276872"/>
+            <a:ext cx="1248139" cy="1077218"/>
           </a:xfrm>
           <a:prstGeom prst="rect">
             <a:avLst/>
           </a:prstGeom>
           <a:noFill/>
-          <a:ln w="9525">
-            <a:noFill/>
-            <a:miter lim="800000"/>
-          </a:ln>
         </p:spPr>
         <p:txBody>
-          <a:bodyPr wrap="square">
+          <a:bodyPr wrap="square" rtlCol="0">
             <a:spAutoFit/>
           </a:bodyPr>
           <a:lstStyle/>
           <a:p>
-            <a:pPr algn="ctr"/>
-            <a:r>
-              <a:rPr lang="en-US" sz="5400" b="1" dirty="0">
-                <a:solidFill>
-                  <a:srgbClr val="002060"/>
+            <a:r>
+              <a:rPr lang="en-US" sz="6400" b="1" dirty="0">
+                <a:solidFill>
+                  <a:srgbClr val="660033"/>
                 </a:solidFill>
               </a:rPr>
-              <a:t>4</a:t>
-            </a:r>
-            <a:r>
-              <a:rPr lang="en-US" sz="5400" b="1" dirty="0" smtClean="0">
-                <a:solidFill>
-                  <a:srgbClr val="002060"/>
-                </a:solidFill>
-              </a:rPr>
-              <a:t>.</a:t>
-            </a:r>
-            <a:endParaRPr lang="en-US" sz="5400" b="1" dirty="0">
+              <a:t>2.</a:t>
+            </a:r>
+            <a:endParaRPr lang="vi-VN" sz="6400" b="1" dirty="0">
               <a:solidFill>
-                <a:srgbClr val="002060"/>
+                <a:srgbClr val="660033"/>
               </a:solidFill>
             </a:endParaRPr>
           </a:p>
@@ -5889,7 +5562,7 @@
     </p:spTree>
     <p:extLst>
       <p:ext uri="{BB962C8B-B14F-4D97-AF65-F5344CB8AC3E}">
-        <p14:creationId xmlns:p14="http://schemas.microsoft.com/office/powerpoint/2010/main" val="1769934085"/>
+        <p14:creationId xmlns:p14="http://schemas.microsoft.com/office/powerpoint/2010/main" val="240514296"/>
       </p:ext>
     </p:extLst>
   </p:cSld>
@@ -5918,98 +5591,43 @@
       </p:grpSpPr>
       <p:sp>
         <p:nvSpPr>
-          <p:cNvPr id="4" name="Title 3"/>
-          <p:cNvSpPr>
-            <a:spLocks noGrp="1"/>
-          </p:cNvSpPr>
-          <p:nvPr>
-            <p:ph type="title"/>
-          </p:nvPr>
-        </p:nvSpPr>
-        <p:spPr/>
-        <p:txBody>
-          <a:bodyPr>
+          <p:cNvPr id="5" name="內容版面配置區 4"/>
+          <p:cNvSpPr>
+            <a:spLocks noGrp="1"/>
+          </p:cNvSpPr>
+          <p:nvPr>
+            <p:ph idx="1"/>
+          </p:nvPr>
+        </p:nvSpPr>
+        <p:spPr>
+          <a:xfrm>
+            <a:off x="0" y="2084851"/>
+            <a:ext cx="12192000" cy="2404863"/>
+          </a:xfrm>
+        </p:spPr>
+        <p:txBody>
+          <a:bodyPr anchor="ctr">
             <a:normAutofit/>
           </a:bodyPr>
           <a:lstStyle/>
           <a:p>
-            <a:r>
-              <a:rPr lang="en-US" altLang="zh-CN" sz="4800" b="1" dirty="0">
-                <a:solidFill>
-                  <a:srgbClr val="002060"/>
+            <a:pPr marL="0" indent="0" algn="ctr">
+              <a:buNone/>
+            </a:pPr>
+            <a:r>
+              <a:rPr lang="zh-CN" altLang="zh-TW" sz="6400" b="1" dirty="0">
+                <a:solidFill>
+                  <a:srgbClr val="660033"/>
                 </a:solidFill>
                 <a:latin typeface="Microsoft JhengHei" panose="020B0604030504040204" pitchFamily="34" charset="-120"/>
                 <a:ea typeface="Microsoft JhengHei" panose="020B0604030504040204" pitchFamily="34" charset="-120"/>
               </a:rPr>
-              <a:t>【</a:t>
-            </a:r>
-            <a:r>
-              <a:rPr lang="zh-CN" altLang="en-US" sz="4800" b="1" dirty="0">
-                <a:solidFill>
-                  <a:srgbClr val="002060"/>
-                </a:solidFill>
-                <a:latin typeface="Microsoft JhengHei" panose="020B0604030504040204" pitchFamily="34" charset="-120"/>
-                <a:ea typeface="Microsoft JhengHei" panose="020B0604030504040204" pitchFamily="34" charset="-120"/>
-              </a:rPr>
-              <a:t>時刻蒙恩</a:t>
-            </a:r>
-            <a:r>
-              <a:rPr lang="en-US" altLang="zh-CN" sz="4800" b="1" dirty="0">
-                <a:solidFill>
-                  <a:srgbClr val="002060"/>
-                </a:solidFill>
-                <a:latin typeface="Microsoft JhengHei" panose="020B0604030504040204" pitchFamily="34" charset="-120"/>
-                <a:ea typeface="Microsoft JhengHei" panose="020B0604030504040204" pitchFamily="34" charset="-120"/>
-              </a:rPr>
-              <a:t>】</a:t>
-            </a:r>
-          </a:p>
-        </p:txBody>
-      </p:sp>
-      <p:sp>
-        <p:nvSpPr>
-          <p:cNvPr id="5" name="Content Placeholder 4"/>
-          <p:cNvSpPr>
-            <a:spLocks noGrp="1"/>
-          </p:cNvSpPr>
-          <p:nvPr>
-            <p:ph idx="1"/>
-          </p:nvPr>
-        </p:nvSpPr>
-        <p:spPr/>
-        <p:txBody>
-          <a:bodyPr>
-            <a:normAutofit/>
-          </a:bodyPr>
-          <a:lstStyle/>
-          <a:p>
-            <a:pPr marL="0" indent="0" algn="ctr">
-              <a:buNone/>
-            </a:pPr>
-            <a:r>
-              <a:rPr lang="zh-CN" altLang="zh-TW" sz="5400" b="1" dirty="0">
-                <a:solidFill>
-                  <a:srgbClr val="002060"/>
-                </a:solidFill>
-                <a:latin typeface="Microsoft JhengHei" panose="020B0604030504040204" pitchFamily="34" charset="-120"/>
-                <a:ea typeface="Microsoft JhengHei" panose="020B0604030504040204" pitchFamily="34" charset="-120"/>
-              </a:rPr>
-              <a:t>每時每</a:t>
-            </a:r>
-            <a:r>
-              <a:rPr lang="zh-CN" altLang="zh-TW" sz="5400" b="1" dirty="0">
-                <a:solidFill>
-                  <a:srgbClr val="002060"/>
-                </a:solidFill>
-                <a:latin typeface="Microsoft JhengHei" panose="020B0604030504040204" pitchFamily="34" charset="-120"/>
-                <a:ea typeface="Microsoft JhengHei" panose="020B0604030504040204" pitchFamily="34" charset="-120"/>
-              </a:rPr>
-              <a:t>刻我</a:t>
-            </a:r>
-            <a:r>
-              <a:rPr lang="zh-TW" altLang="en-US" sz="5400" b="1" dirty="0">
-                <a:solidFill>
-                  <a:srgbClr val="002060"/>
+              <a:t>每時每刻我</a:t>
+            </a:r>
+            <a:r>
+              <a:rPr lang="zh-TW" altLang="en-US" sz="6400" b="1" dirty="0">
+                <a:solidFill>
+                  <a:srgbClr val="660033"/>
                 </a:solidFill>
                 <a:latin typeface="Microsoft JhengHei" panose="020B0604030504040204" pitchFamily="34" charset="-120"/>
                 <a:ea typeface="Microsoft JhengHei" panose="020B0604030504040204" pitchFamily="34" charset="-120"/>
@@ -6018,9 +5636,9 @@
               <a:t>蒙</a:t>
             </a:r>
             <a:r>
-              <a:rPr lang="zh-CN" altLang="zh-TW" sz="5400" b="1" dirty="0">
-                <a:solidFill>
-                  <a:srgbClr val="002060"/>
+              <a:rPr lang="zh-CN" altLang="zh-TW" sz="6400" b="1" dirty="0">
+                <a:solidFill>
+                  <a:srgbClr val="660033"/>
                 </a:solidFill>
                 <a:latin typeface="Microsoft JhengHei" panose="020B0604030504040204" pitchFamily="34" charset="-120"/>
                 <a:ea typeface="Microsoft JhengHei" panose="020B0604030504040204" pitchFamily="34" charset="-120"/>
@@ -6034,140 +5652,110 @@
               <a:buNone/>
             </a:pPr>
             <a:r>
-              <a:rPr lang="zh-CN" altLang="zh-TW" sz="5400" b="1" dirty="0">
-                <a:solidFill>
-                  <a:srgbClr val="002060"/>
+              <a:rPr lang="zh-CN" altLang="zh-TW" sz="6400" b="1" dirty="0">
+                <a:solidFill>
+                  <a:srgbClr val="660033"/>
                 </a:solidFill>
                 <a:latin typeface="Microsoft JhengHei" panose="020B0604030504040204" pitchFamily="34" charset="-120"/>
                 <a:ea typeface="Microsoft JhengHei" panose="020B0604030504040204" pitchFamily="34" charset="-120"/>
                 <a:sym typeface="+mn-ea"/>
               </a:rPr>
-              <a:t>每時每</a:t>
-            </a:r>
-            <a:r>
-              <a:rPr lang="zh-CN" altLang="zh-TW" sz="5400" b="1" dirty="0">
-                <a:solidFill>
-                  <a:srgbClr val="002060"/>
-                </a:solidFill>
-                <a:latin typeface="Microsoft JhengHei" panose="020B0604030504040204" pitchFamily="34" charset="-120"/>
-                <a:ea typeface="Microsoft JhengHei" panose="020B0604030504040204" pitchFamily="34" charset="-120"/>
-                <a:sym typeface="+mn-ea"/>
-              </a:rPr>
-              <a:t>刻生</a:t>
-            </a:r>
-            <a:r>
-              <a:rPr lang="zh-CN" altLang="zh-TW" sz="5400" b="1" dirty="0">
-                <a:solidFill>
-                  <a:srgbClr val="002060"/>
-                </a:solidFill>
-                <a:latin typeface="Microsoft JhengHei" panose="020B0604030504040204" pitchFamily="34" charset="-120"/>
-                <a:ea typeface="Microsoft JhengHei" panose="020B0604030504040204" pitchFamily="34" charset="-120"/>
-                <a:sym typeface="+mn-ea"/>
-              </a:rPr>
-              <a:t>命泉向我</a:t>
-            </a:r>
-            <a:r>
-              <a:rPr lang="zh-CN" altLang="zh-TW" sz="5400" b="1" dirty="0">
-                <a:solidFill>
-                  <a:srgbClr val="002060"/>
-                </a:solidFill>
-                <a:latin typeface="Microsoft JhengHei" panose="020B0604030504040204" pitchFamily="34" charset="-120"/>
-                <a:ea typeface="Microsoft JhengHei" panose="020B0604030504040204" pitchFamily="34" charset="-120"/>
-                <a:sym typeface="+mn-ea"/>
-              </a:rPr>
-              <a:t>流</a:t>
-            </a:r>
-            <a:endParaRPr lang="en-US" altLang="zh-CN" sz="5400" b="1" dirty="0">
+              <a:t>每時每刻生命泉向我流</a:t>
+            </a:r>
+            <a:endParaRPr lang="en-US" altLang="zh-CN" sz="6400" b="1" dirty="0">
               <a:solidFill>
-                <a:srgbClr val="002060"/>
+                <a:srgbClr val="660033"/>
               </a:solidFill>
               <a:latin typeface="Microsoft JhengHei" panose="020B0604030504040204" pitchFamily="34" charset="-120"/>
               <a:ea typeface="Microsoft JhengHei" panose="020B0604030504040204" pitchFamily="34" charset="-120"/>
               <a:sym typeface="+mn-ea"/>
             </a:endParaRPr>
           </a:p>
+        </p:txBody>
+      </p:sp>
+    </p:spTree>
+    <p:extLst>
+      <p:ext uri="{BB962C8B-B14F-4D97-AF65-F5344CB8AC3E}">
+        <p14:creationId xmlns:p14="http://schemas.microsoft.com/office/powerpoint/2010/main" val="707921632"/>
+      </p:ext>
+    </p:extLst>
+  </p:cSld>
+  <p:clrMapOvr>
+    <a:masterClrMapping/>
+  </p:clrMapOvr>
+</p:sld>
+</file>
+
+<file path=ppt/slides/slide9.xml><?xml version="1.0" encoding="utf-8"?>
+<p:sld xmlns:a="http://schemas.openxmlformats.org/drawingml/2006/main" xmlns:r="http://schemas.openxmlformats.org/officeDocument/2006/relationships" xmlns:p="http://schemas.openxmlformats.org/presentationml/2006/main">
+  <p:cSld>
+    <p:spTree>
+      <p:nvGrpSpPr>
+        <p:cNvPr id="1" name=""/>
+        <p:cNvGrpSpPr/>
+        <p:nvPr/>
+      </p:nvGrpSpPr>
+      <p:grpSpPr>
+        <a:xfrm>
+          <a:off x="0" y="0"/>
+          <a:ext cx="0" cy="0"/>
+          <a:chOff x="0" y="0"/>
+          <a:chExt cx="0" cy="0"/>
+        </a:xfrm>
+      </p:grpSpPr>
+      <p:sp>
+        <p:nvSpPr>
+          <p:cNvPr id="5" name="內容版面配置區 4"/>
+          <p:cNvSpPr>
+            <a:spLocks noGrp="1"/>
+          </p:cNvSpPr>
+          <p:nvPr>
+            <p:ph idx="1"/>
+          </p:nvPr>
+        </p:nvSpPr>
+        <p:spPr>
+          <a:xfrm>
+            <a:off x="0" y="2084851"/>
+            <a:ext cx="12192000" cy="2404863"/>
+          </a:xfrm>
+        </p:spPr>
+        <p:txBody>
+          <a:bodyPr anchor="ctr">
+            <a:normAutofit/>
+          </a:bodyPr>
+          <a:lstStyle/>
           <a:p>
             <a:pPr marL="0" indent="0" algn="ctr">
               <a:buNone/>
             </a:pPr>
             <a:r>
-              <a:rPr lang="zh-CN" altLang="zh-TW" sz="5400" b="1" dirty="0">
-                <a:solidFill>
-                  <a:srgbClr val="002060"/>
+              <a:rPr lang="zh-CN" altLang="zh-TW" sz="6400" b="1" dirty="0">
+                <a:solidFill>
+                  <a:srgbClr val="660033"/>
                 </a:solidFill>
                 <a:latin typeface="Microsoft JhengHei" panose="020B0604030504040204" pitchFamily="34" charset="-120"/>
                 <a:ea typeface="Microsoft JhengHei" panose="020B0604030504040204" pitchFamily="34" charset="-120"/>
               </a:rPr>
-              <a:t>仰望主耶</a:t>
-            </a:r>
-            <a:r>
-              <a:rPr lang="zh-CN" altLang="zh-TW" sz="5400" b="1" dirty="0">
-                <a:solidFill>
-                  <a:srgbClr val="002060"/>
+              <a:t>仰望主耶穌榮光就照臨</a:t>
+            </a:r>
+          </a:p>
+          <a:p>
+            <a:pPr marL="0" indent="0" algn="ctr">
+              <a:buNone/>
+            </a:pPr>
+            <a:r>
+              <a:rPr lang="zh-CN" altLang="zh-TW" sz="6400" b="1" dirty="0">
+                <a:solidFill>
+                  <a:srgbClr val="660033"/>
                 </a:solidFill>
                 <a:latin typeface="Microsoft JhengHei" panose="020B0604030504040204" pitchFamily="34" charset="-120"/>
                 <a:ea typeface="Microsoft JhengHei" panose="020B0604030504040204" pitchFamily="34" charset="-120"/>
               </a:rPr>
-              <a:t>穌榮</a:t>
-            </a:r>
-            <a:r>
-              <a:rPr lang="zh-CN" altLang="zh-TW" sz="5400" b="1" dirty="0">
-                <a:solidFill>
-                  <a:srgbClr val="002060"/>
-                </a:solidFill>
-                <a:latin typeface="Microsoft JhengHei" panose="020B0604030504040204" pitchFamily="34" charset="-120"/>
-                <a:ea typeface="Microsoft JhengHei" panose="020B0604030504040204" pitchFamily="34" charset="-120"/>
-              </a:rPr>
-              <a:t>光就照臨</a:t>
-            </a:r>
-          </a:p>
-          <a:p>
-            <a:pPr marL="0" indent="0" algn="ctr">
-              <a:buNone/>
-            </a:pPr>
-            <a:r>
-              <a:rPr lang="zh-CN" altLang="zh-TW" sz="5400" b="1" dirty="0">
-                <a:solidFill>
-                  <a:srgbClr val="002060"/>
-                </a:solidFill>
-                <a:latin typeface="Microsoft JhengHei" panose="020B0604030504040204" pitchFamily="34" charset="-120"/>
-                <a:ea typeface="Microsoft JhengHei" panose="020B0604030504040204" pitchFamily="34" charset="-120"/>
-              </a:rPr>
-              <a:t>每時每</a:t>
-            </a:r>
-            <a:r>
-              <a:rPr lang="zh-CN" altLang="zh-TW" sz="5400" b="1" dirty="0">
-                <a:solidFill>
-                  <a:srgbClr val="002060"/>
-                </a:solidFill>
-                <a:latin typeface="Microsoft JhengHei" panose="020B0604030504040204" pitchFamily="34" charset="-120"/>
-                <a:ea typeface="Microsoft JhengHei" panose="020B0604030504040204" pitchFamily="34" charset="-120"/>
-              </a:rPr>
-              <a:t>刻我</a:t>
-            </a:r>
-            <a:r>
-              <a:rPr lang="zh-CN" altLang="zh-TW" sz="5400" b="1" dirty="0">
-                <a:solidFill>
-                  <a:srgbClr val="002060"/>
-                </a:solidFill>
-                <a:latin typeface="Microsoft JhengHei" panose="020B0604030504040204" pitchFamily="34" charset="-120"/>
-                <a:ea typeface="Microsoft JhengHei" panose="020B0604030504040204" pitchFamily="34" charset="-120"/>
-              </a:rPr>
-              <a:t>為救主子</a:t>
-            </a:r>
-            <a:r>
-              <a:rPr lang="zh-CN" altLang="zh-TW" sz="5400" b="1" dirty="0">
-                <a:solidFill>
-                  <a:srgbClr val="002060"/>
-                </a:solidFill>
-                <a:latin typeface="Microsoft JhengHei" panose="020B0604030504040204" pitchFamily="34" charset="-120"/>
-                <a:ea typeface="Microsoft JhengHei" panose="020B0604030504040204" pitchFamily="34" charset="-120"/>
-              </a:rPr>
-              <a:t>民</a:t>
-            </a:r>
-            <a:endParaRPr lang="zh-CN" altLang="zh-TW" sz="5400" b="1" dirty="0">
+              <a:t>每時每刻我為救主子民</a:t>
+            </a:r>
+            <a:endParaRPr lang="zh-CN" altLang="zh-TW" sz="6400" b="1" dirty="0">
               <a:solidFill>
-                <a:srgbClr val="002060"/>
+                <a:srgbClr val="660033"/>
               </a:solidFill>
               <a:latin typeface="Microsoft JhengHei" panose="020B0604030504040204" pitchFamily="34" charset="-120"/>
               <a:ea typeface="Microsoft JhengHei" panose="020B0604030504040204" pitchFamily="34" charset="-120"/>
@@ -6178,7 +5766,7 @@
     </p:spTree>
     <p:extLst>
       <p:ext uri="{BB962C8B-B14F-4D97-AF65-F5344CB8AC3E}">
-        <p14:creationId xmlns:p14="http://schemas.microsoft.com/office/powerpoint/2010/main" val="4260587106"/>
+        <p14:creationId xmlns:p14="http://schemas.microsoft.com/office/powerpoint/2010/main" val="3848686492"/>
       </p:ext>
     </p:extLst>
   </p:cSld>

--- a/宣道詩/(宣道詩84)時刻蒙恩.pptx
+++ b/宣道詩/(宣道詩84)時刻蒙恩.pptx
@@ -3835,24 +3835,7 @@
                 <a:latin typeface="微軟正黑體" pitchFamily="34" charset="-120"/>
                 <a:ea typeface="微軟正黑體" pitchFamily="34" charset="-120"/>
               </a:rPr>
-              <a:t>時</a:t>
-            </a:r>
-            <a:r>
-              <a:rPr lang="zh-CN" altLang="en-US" sz="8000" b="1" dirty="0">
-                <a:solidFill>
-                  <a:srgbClr val="660033"/>
-                </a:solidFill>
-                <a:effectLst>
-                  <a:outerShdw blurRad="38100" dist="38100" dir="2700000" algn="tl">
-                    <a:srgbClr val="000000">
-                      <a:alpha val="43137"/>
-                    </a:srgbClr>
-                  </a:outerShdw>
-                </a:effectLst>
-                <a:latin typeface="微軟正黑體" pitchFamily="34" charset="-120"/>
-                <a:ea typeface="微軟正黑體" pitchFamily="34" charset="-120"/>
-              </a:rPr>
-              <a:t>刻蒙恩</a:t>
+              <a:t>時刻蒙恩</a:t>
             </a:r>
             <a:endParaRPr lang="zh-TW" altLang="en-US" sz="8000" b="1" dirty="0">
               <a:solidFill>
@@ -3970,14 +3953,14 @@
       </p:sp>
       <p:sp>
         <p:nvSpPr>
-          <p:cNvPr id="3" name="TextBox 2"/>
+          <p:cNvPr id="4" name="TextBox 3"/>
           <p:cNvSpPr txBox="1"/>
           <p:nvPr/>
         </p:nvSpPr>
         <p:spPr>
           <a:xfrm>
-            <a:off x="623392" y="2276872"/>
-            <a:ext cx="1248139" cy="1077218"/>
+            <a:off x="0" y="5085184"/>
+            <a:ext cx="12072664" cy="830997"/>
           </a:xfrm>
           <a:prstGeom prst="rect">
             <a:avLst/>
@@ -3990,18 +3973,43 @@
           </a:bodyPr>
           <a:lstStyle/>
           <a:p>
-            <a:r>
-              <a:rPr lang="en-US" sz="6400" b="1" dirty="0">
+            <a:pPr algn="ctr"/>
+            <a:r>
+              <a:rPr lang="en-US" sz="4800" b="1" dirty="0" smtClean="0">
                 <a:solidFill>
                   <a:srgbClr val="660033"/>
                 </a:solidFill>
-              </a:rPr>
-              <a:t>3.</a:t>
-            </a:r>
-            <a:endParaRPr lang="vi-VN" sz="6400" b="1" dirty="0">
+                <a:effectLst/>
+                <a:latin typeface="+mn-lt"/>
+              </a:rPr>
+              <a:t>( </a:t>
+            </a:r>
+            <a:r>
+              <a:rPr lang="en-US" sz="4800" b="1" dirty="0" smtClean="0">
+                <a:solidFill>
+                  <a:srgbClr val="660033"/>
+                </a:solidFill>
+                <a:effectLst/>
+                <a:latin typeface="+mn-lt"/>
+              </a:rPr>
+              <a:t>3 </a:t>
+            </a:r>
+            <a:r>
+              <a:rPr lang="en-US" sz="4800" b="1" dirty="0" smtClean="0">
+                <a:solidFill>
+                  <a:srgbClr val="660033"/>
+                </a:solidFill>
+                <a:effectLst/>
+                <a:latin typeface="+mn-lt"/>
+              </a:rPr>
+              <a:t>)</a:t>
+            </a:r>
+            <a:endParaRPr lang="vi-VN" sz="4800" b="1" dirty="0">
               <a:solidFill>
                 <a:srgbClr val="660033"/>
               </a:solidFill>
+              <a:effectLst/>
+              <a:latin typeface="+mn-lt"/>
             </a:endParaRPr>
           </a:p>
         </p:txBody>
@@ -4108,27 +4116,19 @@
               </a:rPr>
               <a:t>主恩愛</a:t>
             </a:r>
-            <a:endParaRPr lang="zh-CN" altLang="zh-TW" sz="6400" b="1" dirty="0">
-              <a:solidFill>
-                <a:srgbClr val="660033"/>
-              </a:solidFill>
-              <a:latin typeface="Microsoft JhengHei" panose="020B0604030504040204" pitchFamily="34" charset="-120"/>
-              <a:ea typeface="Microsoft JhengHei" panose="020B0604030504040204" pitchFamily="34" charset="-120"/>
-              <a:sym typeface="+mn-ea"/>
-            </a:endParaRPr>
-          </a:p>
-        </p:txBody>
-      </p:sp>
-      <p:sp>
-        <p:nvSpPr>
-          <p:cNvPr id="3" name="TextBox 2"/>
+          </a:p>
+        </p:txBody>
+      </p:sp>
+      <p:sp>
+        <p:nvSpPr>
+          <p:cNvPr id="4" name="TextBox 3"/>
           <p:cNvSpPr txBox="1"/>
           <p:nvPr/>
         </p:nvSpPr>
         <p:spPr>
           <a:xfrm>
-            <a:off x="623392" y="2276872"/>
-            <a:ext cx="1248139" cy="1077218"/>
+            <a:off x="0" y="5085184"/>
+            <a:ext cx="12072664" cy="830997"/>
           </a:xfrm>
           <a:prstGeom prst="rect">
             <a:avLst/>
@@ -4141,18 +4141,43 @@
           </a:bodyPr>
           <a:lstStyle/>
           <a:p>
-            <a:r>
-              <a:rPr lang="en-US" sz="6400" b="1" dirty="0">
+            <a:pPr algn="ctr"/>
+            <a:r>
+              <a:rPr lang="en-US" sz="4800" b="1" dirty="0" smtClean="0">
                 <a:solidFill>
                   <a:srgbClr val="660033"/>
                 </a:solidFill>
-              </a:rPr>
-              <a:t>3.</a:t>
-            </a:r>
-            <a:endParaRPr lang="vi-VN" sz="6400" b="1" dirty="0">
+                <a:effectLst/>
+                <a:latin typeface="+mn-lt"/>
+              </a:rPr>
+              <a:t>( </a:t>
+            </a:r>
+            <a:r>
+              <a:rPr lang="en-US" sz="4800" b="1" dirty="0" smtClean="0">
+                <a:solidFill>
+                  <a:srgbClr val="660033"/>
+                </a:solidFill>
+                <a:effectLst/>
+                <a:latin typeface="+mn-lt"/>
+              </a:rPr>
+              <a:t>3 </a:t>
+            </a:r>
+            <a:r>
+              <a:rPr lang="en-US" sz="4800" b="1" dirty="0" smtClean="0">
+                <a:solidFill>
+                  <a:srgbClr val="660033"/>
+                </a:solidFill>
+                <a:effectLst/>
+                <a:latin typeface="+mn-lt"/>
+              </a:rPr>
+              <a:t>)</a:t>
+            </a:r>
+            <a:endParaRPr lang="vi-VN" sz="4800" b="1" dirty="0">
               <a:solidFill>
                 <a:srgbClr val="660033"/>
               </a:solidFill>
+              <a:effectLst/>
+              <a:latin typeface="+mn-lt"/>
             </a:endParaRPr>
           </a:p>
         </p:txBody>
@@ -4351,13 +4376,6 @@
               </a:rPr>
               <a:t>每時每刻我為救主子民</a:t>
             </a:r>
-            <a:endParaRPr lang="zh-CN" altLang="zh-TW" sz="6400" b="1" dirty="0">
-              <a:solidFill>
-                <a:srgbClr val="660033"/>
-              </a:solidFill>
-              <a:latin typeface="Microsoft JhengHei" panose="020B0604030504040204" pitchFamily="34" charset="-120"/>
-              <a:ea typeface="Microsoft JhengHei" panose="020B0604030504040204" pitchFamily="34" charset="-120"/>
-            </a:endParaRPr>
           </a:p>
         </p:txBody>
       </p:sp>
@@ -4453,14 +4471,14 @@
       </p:sp>
       <p:sp>
         <p:nvSpPr>
-          <p:cNvPr id="3" name="TextBox 2"/>
+          <p:cNvPr id="4" name="TextBox 3"/>
           <p:cNvSpPr txBox="1"/>
           <p:nvPr/>
         </p:nvSpPr>
         <p:spPr>
           <a:xfrm>
-            <a:off x="623392" y="2276872"/>
-            <a:ext cx="1248139" cy="1077218"/>
+            <a:off x="0" y="5085184"/>
+            <a:ext cx="12072664" cy="830997"/>
           </a:xfrm>
           <a:prstGeom prst="rect">
             <a:avLst/>
@@ -4473,18 +4491,43 @@
           </a:bodyPr>
           <a:lstStyle/>
           <a:p>
-            <a:r>
-              <a:rPr lang="en-US" sz="6400" b="1" dirty="0">
+            <a:pPr algn="ctr"/>
+            <a:r>
+              <a:rPr lang="en-US" sz="4800" b="1" dirty="0" smtClean="0">
                 <a:solidFill>
                   <a:srgbClr val="660033"/>
                 </a:solidFill>
-              </a:rPr>
-              <a:t>4.</a:t>
-            </a:r>
-            <a:endParaRPr lang="vi-VN" sz="6400" b="1" dirty="0">
+                <a:effectLst/>
+                <a:latin typeface="+mn-lt"/>
+              </a:rPr>
+              <a:t>( </a:t>
+            </a:r>
+            <a:r>
+              <a:rPr lang="en-US" sz="4800" b="1" dirty="0" smtClean="0">
+                <a:solidFill>
+                  <a:srgbClr val="660033"/>
+                </a:solidFill>
+                <a:effectLst/>
+                <a:latin typeface="+mn-lt"/>
+              </a:rPr>
+              <a:t>4 </a:t>
+            </a:r>
+            <a:r>
+              <a:rPr lang="en-US" sz="4800" b="1" dirty="0" smtClean="0">
+                <a:solidFill>
+                  <a:srgbClr val="660033"/>
+                </a:solidFill>
+                <a:effectLst/>
+                <a:latin typeface="+mn-lt"/>
+              </a:rPr>
+              <a:t>)</a:t>
+            </a:r>
+            <a:endParaRPr lang="vi-VN" sz="4800" b="1" dirty="0">
               <a:solidFill>
                 <a:srgbClr val="660033"/>
               </a:solidFill>
+              <a:effectLst/>
+              <a:latin typeface="+mn-lt"/>
             </a:endParaRPr>
           </a:p>
         </p:txBody>
@@ -4569,26 +4612,19 @@
               </a:rPr>
               <a:t>耶穌我救主必時常保護</a:t>
             </a:r>
-            <a:endParaRPr lang="zh-CN" altLang="zh-TW" sz="6400" b="1" dirty="0">
-              <a:solidFill>
-                <a:srgbClr val="660033"/>
-              </a:solidFill>
-              <a:latin typeface="Microsoft JhengHei" panose="020B0604030504040204" pitchFamily="34" charset="-120"/>
-              <a:ea typeface="Microsoft JhengHei" panose="020B0604030504040204" pitchFamily="34" charset="-120"/>
-            </a:endParaRPr>
-          </a:p>
-        </p:txBody>
-      </p:sp>
-      <p:sp>
-        <p:nvSpPr>
-          <p:cNvPr id="3" name="TextBox 2"/>
+          </a:p>
+        </p:txBody>
+      </p:sp>
+      <p:sp>
+        <p:nvSpPr>
+          <p:cNvPr id="4" name="TextBox 3"/>
           <p:cNvSpPr txBox="1"/>
           <p:nvPr/>
         </p:nvSpPr>
         <p:spPr>
           <a:xfrm>
-            <a:off x="623392" y="2276872"/>
-            <a:ext cx="1248139" cy="1077218"/>
+            <a:off x="0" y="5085184"/>
+            <a:ext cx="12072664" cy="830997"/>
           </a:xfrm>
           <a:prstGeom prst="rect">
             <a:avLst/>
@@ -4601,18 +4637,43 @@
           </a:bodyPr>
           <a:lstStyle/>
           <a:p>
-            <a:r>
-              <a:rPr lang="en-US" sz="6400" b="1" dirty="0">
+            <a:pPr algn="ctr"/>
+            <a:r>
+              <a:rPr lang="en-US" sz="4800" b="1" dirty="0" smtClean="0">
                 <a:solidFill>
                   <a:srgbClr val="660033"/>
                 </a:solidFill>
-              </a:rPr>
-              <a:t>4.</a:t>
-            </a:r>
-            <a:endParaRPr lang="vi-VN" sz="6400" b="1" dirty="0">
+                <a:effectLst/>
+                <a:latin typeface="+mn-lt"/>
+              </a:rPr>
+              <a:t>( </a:t>
+            </a:r>
+            <a:r>
+              <a:rPr lang="en-US" sz="4800" b="1" dirty="0" smtClean="0">
+                <a:solidFill>
+                  <a:srgbClr val="660033"/>
+                </a:solidFill>
+                <a:effectLst/>
+                <a:latin typeface="+mn-lt"/>
+              </a:rPr>
+              <a:t>4 </a:t>
+            </a:r>
+            <a:r>
+              <a:rPr lang="en-US" sz="4800" b="1" dirty="0" smtClean="0">
+                <a:solidFill>
+                  <a:srgbClr val="660033"/>
+                </a:solidFill>
+                <a:effectLst/>
+                <a:latin typeface="+mn-lt"/>
+              </a:rPr>
+              <a:t>)</a:t>
+            </a:r>
+            <a:endParaRPr lang="vi-VN" sz="4800" b="1" dirty="0">
               <a:solidFill>
                 <a:srgbClr val="660033"/>
               </a:solidFill>
+              <a:effectLst/>
+              <a:latin typeface="+mn-lt"/>
             </a:endParaRPr>
           </a:p>
         </p:txBody>
@@ -4811,13 +4872,6 @@
               </a:rPr>
               <a:t>每時每刻我為救主子民</a:t>
             </a:r>
-            <a:endParaRPr lang="zh-CN" altLang="zh-TW" sz="6400" b="1" dirty="0">
-              <a:solidFill>
-                <a:srgbClr val="660033"/>
-              </a:solidFill>
-              <a:latin typeface="Microsoft JhengHei" panose="020B0604030504040204" pitchFamily="34" charset="-120"/>
-              <a:ea typeface="Microsoft JhengHei" panose="020B0604030504040204" pitchFamily="34" charset="-120"/>
-            </a:endParaRPr>
           </a:p>
         </p:txBody>
       </p:sp>
@@ -4913,14 +4967,14 @@
       </p:sp>
       <p:sp>
         <p:nvSpPr>
-          <p:cNvPr id="3" name="TextBox 2"/>
+          <p:cNvPr id="4" name="TextBox 3"/>
           <p:cNvSpPr txBox="1"/>
           <p:nvPr/>
         </p:nvSpPr>
         <p:spPr>
           <a:xfrm>
-            <a:off x="623392" y="2276872"/>
-            <a:ext cx="1248139" cy="1077218"/>
+            <a:off x="0" y="5085184"/>
+            <a:ext cx="12072664" cy="830997"/>
           </a:xfrm>
           <a:prstGeom prst="rect">
             <a:avLst/>
@@ -4933,18 +4987,23 @@
           </a:bodyPr>
           <a:lstStyle/>
           <a:p>
-            <a:r>
-              <a:rPr lang="en-US" sz="6400" b="1" dirty="0">
+            <a:pPr algn="ctr"/>
+            <a:r>
+              <a:rPr lang="en-US" sz="4800" b="1" dirty="0" smtClean="0">
                 <a:solidFill>
                   <a:srgbClr val="660033"/>
                 </a:solidFill>
-              </a:rPr>
-              <a:t>1.</a:t>
-            </a:r>
-            <a:endParaRPr lang="vi-VN" sz="6400" b="1" dirty="0">
+                <a:effectLst/>
+                <a:latin typeface="+mn-lt"/>
+              </a:rPr>
+              <a:t>( 1 )</a:t>
+            </a:r>
+            <a:endParaRPr lang="vi-VN" sz="4800" b="1" dirty="0">
               <a:solidFill>
                 <a:srgbClr val="660033"/>
               </a:solidFill>
+              <a:effectLst/>
+              <a:latin typeface="+mn-lt"/>
             </a:endParaRPr>
           </a:p>
         </p:txBody>
@@ -5063,14 +5122,14 @@
       </p:sp>
       <p:sp>
         <p:nvSpPr>
-          <p:cNvPr id="3" name="TextBox 2"/>
+          <p:cNvPr id="6" name="TextBox 5"/>
           <p:cNvSpPr txBox="1"/>
           <p:nvPr/>
         </p:nvSpPr>
         <p:spPr>
           <a:xfrm>
-            <a:off x="623392" y="2276872"/>
-            <a:ext cx="1248139" cy="1077218"/>
+            <a:off x="0" y="5085184"/>
+            <a:ext cx="12072664" cy="830997"/>
           </a:xfrm>
           <a:prstGeom prst="rect">
             <a:avLst/>
@@ -5083,18 +5142,23 @@
           </a:bodyPr>
           <a:lstStyle/>
           <a:p>
-            <a:r>
-              <a:rPr lang="en-US" sz="6400" b="1" dirty="0">
+            <a:pPr algn="ctr"/>
+            <a:r>
+              <a:rPr lang="en-US" sz="4800" b="1" dirty="0" smtClean="0">
                 <a:solidFill>
                   <a:srgbClr val="660033"/>
                 </a:solidFill>
-              </a:rPr>
-              <a:t>1.</a:t>
-            </a:r>
-            <a:endParaRPr lang="vi-VN" sz="6400" b="1" dirty="0">
+                <a:effectLst/>
+                <a:latin typeface="+mn-lt"/>
+              </a:rPr>
+              <a:t>( 1 )</a:t>
+            </a:r>
+            <a:endParaRPr lang="vi-VN" sz="4800" b="1" dirty="0">
               <a:solidFill>
                 <a:srgbClr val="660033"/>
               </a:solidFill>
+              <a:effectLst/>
+              <a:latin typeface="+mn-lt"/>
             </a:endParaRPr>
           </a:p>
         </p:txBody>
@@ -5293,13 +5357,6 @@
               </a:rPr>
               <a:t>每時每刻我為救主子民</a:t>
             </a:r>
-            <a:endParaRPr lang="zh-CN" altLang="zh-TW" sz="6400" b="1" dirty="0">
-              <a:solidFill>
-                <a:srgbClr val="660033"/>
-              </a:solidFill>
-              <a:latin typeface="Microsoft JhengHei" panose="020B0604030504040204" pitchFamily="34" charset="-120"/>
-              <a:ea typeface="Microsoft JhengHei" panose="020B0604030504040204" pitchFamily="34" charset="-120"/>
-            </a:endParaRPr>
           </a:p>
         </p:txBody>
       </p:sp>
@@ -5395,14 +5452,14 @@
       </p:sp>
       <p:sp>
         <p:nvSpPr>
-          <p:cNvPr id="3" name="TextBox 2"/>
+          <p:cNvPr id="4" name="TextBox 3"/>
           <p:cNvSpPr txBox="1"/>
           <p:nvPr/>
         </p:nvSpPr>
         <p:spPr>
           <a:xfrm>
-            <a:off x="623392" y="2276872"/>
-            <a:ext cx="1248139" cy="1077218"/>
+            <a:off x="0" y="5085184"/>
+            <a:ext cx="12072664" cy="830997"/>
           </a:xfrm>
           <a:prstGeom prst="rect">
             <a:avLst/>
@@ -5415,18 +5472,43 @@
           </a:bodyPr>
           <a:lstStyle/>
           <a:p>
-            <a:r>
-              <a:rPr lang="en-US" sz="6400" b="1" dirty="0">
+            <a:pPr algn="ctr"/>
+            <a:r>
+              <a:rPr lang="en-US" sz="4800" b="1" dirty="0" smtClean="0">
                 <a:solidFill>
                   <a:srgbClr val="660033"/>
                 </a:solidFill>
-              </a:rPr>
-              <a:t>2.</a:t>
-            </a:r>
-            <a:endParaRPr lang="vi-VN" sz="6400" b="1" dirty="0">
+                <a:effectLst/>
+                <a:latin typeface="+mn-lt"/>
+              </a:rPr>
+              <a:t>( </a:t>
+            </a:r>
+            <a:r>
+              <a:rPr lang="en-US" sz="4800" b="1" dirty="0" smtClean="0">
+                <a:solidFill>
+                  <a:srgbClr val="660033"/>
+                </a:solidFill>
+                <a:effectLst/>
+                <a:latin typeface="+mn-lt"/>
+              </a:rPr>
+              <a:t>2 </a:t>
+            </a:r>
+            <a:r>
+              <a:rPr lang="en-US" sz="4800" b="1" dirty="0" smtClean="0">
+                <a:solidFill>
+                  <a:srgbClr val="660033"/>
+                </a:solidFill>
+                <a:effectLst/>
+                <a:latin typeface="+mn-lt"/>
+              </a:rPr>
+              <a:t>)</a:t>
+            </a:r>
+            <a:endParaRPr lang="vi-VN" sz="4800" b="1" dirty="0">
               <a:solidFill>
                 <a:srgbClr val="660033"/>
               </a:solidFill>
+              <a:effectLst/>
+              <a:latin typeface="+mn-lt"/>
             </a:endParaRPr>
           </a:p>
         </p:txBody>
@@ -5511,26 +5593,19 @@
               </a:rPr>
               <a:t>每時每刻我都得主鴻恩</a:t>
             </a:r>
-            <a:endParaRPr lang="zh-CN" altLang="zh-TW" sz="6400" b="1" dirty="0">
-              <a:solidFill>
-                <a:srgbClr val="660033"/>
-              </a:solidFill>
-              <a:latin typeface="Microsoft JhengHei" panose="020B0604030504040204" pitchFamily="34" charset="-120"/>
-              <a:ea typeface="Microsoft JhengHei" panose="020B0604030504040204" pitchFamily="34" charset="-120"/>
-            </a:endParaRPr>
-          </a:p>
-        </p:txBody>
-      </p:sp>
-      <p:sp>
-        <p:nvSpPr>
-          <p:cNvPr id="3" name="TextBox 2"/>
+          </a:p>
+        </p:txBody>
+      </p:sp>
+      <p:sp>
+        <p:nvSpPr>
+          <p:cNvPr id="4" name="TextBox 3"/>
           <p:cNvSpPr txBox="1"/>
           <p:nvPr/>
         </p:nvSpPr>
         <p:spPr>
           <a:xfrm>
-            <a:off x="623392" y="2276872"/>
-            <a:ext cx="1248139" cy="1077218"/>
+            <a:off x="0" y="5085184"/>
+            <a:ext cx="12072664" cy="830997"/>
           </a:xfrm>
           <a:prstGeom prst="rect">
             <a:avLst/>
@@ -5543,18 +5618,43 @@
           </a:bodyPr>
           <a:lstStyle/>
           <a:p>
-            <a:r>
-              <a:rPr lang="en-US" sz="6400" b="1" dirty="0">
+            <a:pPr algn="ctr"/>
+            <a:r>
+              <a:rPr lang="en-US" sz="4800" b="1" dirty="0" smtClean="0">
                 <a:solidFill>
                   <a:srgbClr val="660033"/>
                 </a:solidFill>
-              </a:rPr>
-              <a:t>2.</a:t>
-            </a:r>
-            <a:endParaRPr lang="vi-VN" sz="6400" b="1" dirty="0">
+                <a:effectLst/>
+                <a:latin typeface="+mn-lt"/>
+              </a:rPr>
+              <a:t>( </a:t>
+            </a:r>
+            <a:r>
+              <a:rPr lang="en-US" sz="4800" b="1" dirty="0" smtClean="0">
+                <a:solidFill>
+                  <a:srgbClr val="660033"/>
+                </a:solidFill>
+                <a:effectLst/>
+                <a:latin typeface="+mn-lt"/>
+              </a:rPr>
+              <a:t>2 </a:t>
+            </a:r>
+            <a:r>
+              <a:rPr lang="en-US" sz="4800" b="1" dirty="0" smtClean="0">
+                <a:solidFill>
+                  <a:srgbClr val="660033"/>
+                </a:solidFill>
+                <a:effectLst/>
+                <a:latin typeface="+mn-lt"/>
+              </a:rPr>
+              <a:t>)</a:t>
+            </a:r>
+            <a:endParaRPr lang="vi-VN" sz="4800" b="1" dirty="0">
               <a:solidFill>
                 <a:srgbClr val="660033"/>
               </a:solidFill>
+              <a:effectLst/>
+              <a:latin typeface="+mn-lt"/>
             </a:endParaRPr>
           </a:p>
         </p:txBody>
@@ -5753,13 +5853,6 @@
               </a:rPr>
               <a:t>每時每刻我為救主子民</a:t>
             </a:r>
-            <a:endParaRPr lang="zh-CN" altLang="zh-TW" sz="6400" b="1" dirty="0">
-              <a:solidFill>
-                <a:srgbClr val="660033"/>
-              </a:solidFill>
-              <a:latin typeface="Microsoft JhengHei" panose="020B0604030504040204" pitchFamily="34" charset="-120"/>
-              <a:ea typeface="Microsoft JhengHei" panose="020B0604030504040204" pitchFamily="34" charset="-120"/>
-            </a:endParaRPr>
           </a:p>
         </p:txBody>
       </p:sp>
